--- a/Advanced Linux Final Project.pptx
+++ b/Advanced Linux Final Project.pptx
@@ -5,24 +5,26 @@
     <p:sldMasterId id="2147483648" r:id="rId1"/>
   </p:sldMasterIdLst>
   <p:notesMasterIdLst>
-    <p:notesMasterId r:id="rId17"/>
+    <p:notesMasterId r:id="rId19"/>
   </p:notesMasterIdLst>
   <p:sldIdLst>
     <p:sldId id="256" r:id="rId2"/>
     <p:sldId id="257" r:id="rId3"/>
     <p:sldId id="264" r:id="rId4"/>
-    <p:sldId id="258" r:id="rId5"/>
-    <p:sldId id="259" r:id="rId6"/>
-    <p:sldId id="261" r:id="rId7"/>
-    <p:sldId id="262" r:id="rId8"/>
-    <p:sldId id="265" r:id="rId9"/>
-    <p:sldId id="266" r:id="rId10"/>
-    <p:sldId id="267" r:id="rId11"/>
-    <p:sldId id="269" r:id="rId12"/>
-    <p:sldId id="270" r:id="rId13"/>
-    <p:sldId id="271" r:id="rId14"/>
-    <p:sldId id="263" r:id="rId15"/>
-    <p:sldId id="272" r:id="rId16"/>
+    <p:sldId id="273" r:id="rId5"/>
+    <p:sldId id="258" r:id="rId6"/>
+    <p:sldId id="259" r:id="rId7"/>
+    <p:sldId id="261" r:id="rId8"/>
+    <p:sldId id="262" r:id="rId9"/>
+    <p:sldId id="265" r:id="rId10"/>
+    <p:sldId id="266" r:id="rId11"/>
+    <p:sldId id="267" r:id="rId12"/>
+    <p:sldId id="269" r:id="rId13"/>
+    <p:sldId id="270" r:id="rId14"/>
+    <p:sldId id="271" r:id="rId15"/>
+    <p:sldId id="263" r:id="rId16"/>
+    <p:sldId id="274" r:id="rId17"/>
+    <p:sldId id="272" r:id="rId18"/>
   </p:sldIdLst>
   <p:sldSz cx="12192000" cy="6858000"/>
   <p:notesSz cx="6858000" cy="9144000"/>
@@ -121,6 +123,11 @@
       </a:defRPr>
     </a:lvl9pPr>
   </p:defaultTextStyle>
+  <p:extLst>
+    <p:ext uri="{EFAFB233-063F-42B5-8137-9DF3F51BA10A}">
+      <p15:sldGuideLst xmlns:p15="http://schemas.microsoft.com/office/powerpoint/2012/main"/>
+    </p:ext>
+  </p:extLst>
 </p:presentation>
 </file>
 
@@ -538,7 +545,7 @@
           <a:p>
             <a:fld id="{1CD17618-F37F-4AEA-B873-5D0F2E77FF13}" type="slidenum">
               <a:rPr lang="en-US" smtClean="0"/>
-              <a:t>4</a:t>
+              <a:t>5</a:t>
             </a:fld>
             <a:endParaRPr lang="en-US"/>
           </a:p>
@@ -622,7 +629,7 @@
           <a:p>
             <a:fld id="{1CD17618-F37F-4AEA-B873-5D0F2E77FF13}" type="slidenum">
               <a:rPr lang="en-US" smtClean="0"/>
-              <a:t>5</a:t>
+              <a:t>6</a:t>
             </a:fld>
             <a:endParaRPr lang="en-US"/>
           </a:p>
@@ -706,7 +713,7 @@
           <a:p>
             <a:fld id="{1CD17618-F37F-4AEA-B873-5D0F2E77FF13}" type="slidenum">
               <a:rPr lang="en-US" smtClean="0"/>
-              <a:t>6</a:t>
+              <a:t>7</a:t>
             </a:fld>
             <a:endParaRPr lang="en-US"/>
           </a:p>
@@ -4129,6 +4136,93 @@
           </a:p>
         </p:txBody>
       </p:sp>
+      <p:sp>
+        <p:nvSpPr>
+          <p:cNvPr id="4" name="TextBox 3">
+            <a:extLst>
+              <a:ext uri="{FF2B5EF4-FFF2-40B4-BE49-F238E27FC236}">
+                <a16:creationId xmlns:a16="http://schemas.microsoft.com/office/drawing/2014/main" id="{0627D2A2-1492-B201-A7AB-3BB18C8B1ED9}"/>
+              </a:ext>
+            </a:extLst>
+          </p:cNvPr>
+          <p:cNvSpPr txBox="1"/>
+          <p:nvPr/>
+        </p:nvSpPr>
+        <p:spPr>
+          <a:xfrm>
+            <a:off x="3544037" y="6108176"/>
+            <a:ext cx="894797" cy="369332"/>
+          </a:xfrm>
+          <a:prstGeom prst="rect">
+            <a:avLst/>
+          </a:prstGeom>
+          <a:noFill/>
+        </p:spPr>
+        <p:txBody>
+          <a:bodyPr wrap="none" rtlCol="0">
+            <a:spAutoFit/>
+          </a:bodyPr>
+          <a:lstStyle/>
+          <a:p>
+            <a:r>
+              <a:rPr lang="en-US" dirty="0" err="1">
+                <a:latin typeface="Modern No. 20" panose="02070704070505020303" pitchFamily="18" charset="0"/>
+              </a:rPr>
+              <a:t>Github</a:t>
+            </a:r>
+            <a:r>
+              <a:rPr lang="en-US" dirty="0">
+                <a:latin typeface="Modern No. 20" panose="02070704070505020303" pitchFamily="18" charset="0"/>
+              </a:rPr>
+              <a:t>:</a:t>
+            </a:r>
+          </a:p>
+        </p:txBody>
+      </p:sp>
+      <p:sp>
+        <p:nvSpPr>
+          <p:cNvPr id="5" name="TextBox 4">
+            <a:extLst>
+              <a:ext uri="{FF2B5EF4-FFF2-40B4-BE49-F238E27FC236}">
+                <a16:creationId xmlns:a16="http://schemas.microsoft.com/office/drawing/2014/main" id="{F5204E4C-B597-0105-99B1-B804D15B3B15}"/>
+              </a:ext>
+            </a:extLst>
+          </p:cNvPr>
+          <p:cNvSpPr txBox="1"/>
+          <p:nvPr/>
+        </p:nvSpPr>
+        <p:spPr>
+          <a:xfrm>
+            <a:off x="4438834" y="6090251"/>
+            <a:ext cx="5107488" cy="646331"/>
+          </a:xfrm>
+          <a:prstGeom prst="rect">
+            <a:avLst/>
+          </a:prstGeom>
+          <a:noFill/>
+        </p:spPr>
+        <p:txBody>
+          <a:bodyPr wrap="none" rtlCol="0">
+            <a:spAutoFit/>
+          </a:bodyPr>
+          <a:lstStyle/>
+          <a:p>
+            <a:r>
+              <a:rPr lang="en-US" dirty="0">
+                <a:latin typeface="Modern No. 20" panose="02070704070505020303" pitchFamily="18" charset="0"/>
+                <a:hlinkClick r:id="rId2"/>
+              </a:rPr>
+              <a:t>https://github.com/Chufeng-Jiang/Cluster_ChatServer</a:t>
+            </a:r>
+            <a:endParaRPr lang="en-US" dirty="0">
+              <a:latin typeface="Modern No. 20" panose="02070704070505020303" pitchFamily="18" charset="0"/>
+            </a:endParaRPr>
+          </a:p>
+          <a:p>
+            <a:endParaRPr lang="en-US" dirty="0"/>
+          </a:p>
+        </p:txBody>
+      </p:sp>
     </p:spTree>
     <p:extLst>
       <p:ext uri="{BB962C8B-B14F-4D97-AF65-F5344CB8AC3E}">
@@ -4184,6 +4278,418 @@
               <a:rPr lang="en-US" dirty="0">
                 <a:latin typeface="Modern No. 20" panose="02070704070505020303" pitchFamily="18" charset="0"/>
               </a:rPr>
+              <a:t>Registration</a:t>
+            </a:r>
+          </a:p>
+        </p:txBody>
+      </p:sp>
+      <p:sp>
+        <p:nvSpPr>
+          <p:cNvPr id="4" name="TextBox 3">
+            <a:extLst>
+              <a:ext uri="{FF2B5EF4-FFF2-40B4-BE49-F238E27FC236}">
+                <a16:creationId xmlns:a16="http://schemas.microsoft.com/office/drawing/2014/main" id="{9F28A363-AF71-7EE0-CBC5-D5F6F62A9C7B}"/>
+              </a:ext>
+            </a:extLst>
+          </p:cNvPr>
+          <p:cNvSpPr txBox="1"/>
+          <p:nvPr/>
+        </p:nvSpPr>
+        <p:spPr>
+          <a:xfrm>
+            <a:off x="6710038" y="1784411"/>
+            <a:ext cx="5481962" cy="2339102"/>
+          </a:xfrm>
+          <a:prstGeom prst="rect">
+            <a:avLst/>
+          </a:prstGeom>
+          <a:noFill/>
+        </p:spPr>
+        <p:txBody>
+          <a:bodyPr wrap="square" rtlCol="0">
+            <a:spAutoFit/>
+          </a:bodyPr>
+          <a:lstStyle/>
+          <a:p>
+            <a:r>
+              <a:rPr lang="en-US" sz="2000" dirty="0">
+                <a:solidFill>
+                  <a:srgbClr val="FF0000"/>
+                </a:solidFill>
+                <a:latin typeface="Modern No. 20" panose="02070704070505020303" pitchFamily="18" charset="0"/>
+              </a:rPr>
+              <a:t>Client Command: </a:t>
+            </a:r>
+          </a:p>
+          <a:p>
+            <a:r>
+              <a:rPr lang="en-US" dirty="0">
+                <a:latin typeface="Modern No. 20" panose="02070704070505020303" pitchFamily="18" charset="0"/>
+              </a:rPr>
+              <a:t>$ telnet 127.0.0.1 6000</a:t>
+            </a:r>
+          </a:p>
+          <a:p>
+            <a:r>
+              <a:rPr lang="en-US" dirty="0">
+                <a:latin typeface="Modern No. 20" panose="02070704070505020303" pitchFamily="18" charset="0"/>
+              </a:rPr>
+              <a:t>Trying 127.0.0.1...</a:t>
+            </a:r>
+          </a:p>
+          <a:p>
+            <a:r>
+              <a:rPr lang="en-US" dirty="0">
+                <a:latin typeface="Modern No. 20" panose="02070704070505020303" pitchFamily="18" charset="0"/>
+              </a:rPr>
+              <a:t>Connected to 127.0.0.1.</a:t>
+            </a:r>
+          </a:p>
+          <a:p>
+            <a:r>
+              <a:rPr lang="en-US" dirty="0">
+                <a:latin typeface="Modern No. 20" panose="02070704070505020303" pitchFamily="18" charset="0"/>
+              </a:rPr>
+              <a:t>Escape character is '^]'.</a:t>
+            </a:r>
+          </a:p>
+          <a:p>
+            <a:r>
+              <a:rPr lang="en-US" dirty="0">
+                <a:latin typeface="Modern No. 20" panose="02070704070505020303" pitchFamily="18" charset="0"/>
+              </a:rPr>
+              <a:t>Connection closed by foreign host. </a:t>
+            </a:r>
+          </a:p>
+          <a:p>
+            <a:r>
+              <a:rPr lang="en-US" dirty="0">
+                <a:highlight>
+                  <a:srgbClr val="FFFF00"/>
+                </a:highlight>
+                <a:latin typeface="Modern No. 20" panose="02070704070505020303" pitchFamily="18" charset="0"/>
+              </a:rPr>
+              <a:t>{"msgid":</a:t>
+            </a:r>
+            <a:r>
+              <a:rPr lang="en-US" dirty="0">
+                <a:highlight>
+                  <a:srgbClr val="00FFFF"/>
+                </a:highlight>
+                <a:latin typeface="Modern No. 20" panose="02070704070505020303" pitchFamily="18" charset="0"/>
+              </a:rPr>
+              <a:t>3</a:t>
+            </a:r>
+            <a:r>
+              <a:rPr lang="en-US" dirty="0">
+                <a:highlight>
+                  <a:srgbClr val="FFFF00"/>
+                </a:highlight>
+                <a:latin typeface="Modern No. 20" panose="02070704070505020303" pitchFamily="18" charset="0"/>
+              </a:rPr>
+              <a:t>, "name":"</a:t>
+            </a:r>
+            <a:r>
+              <a:rPr lang="en-US" dirty="0" err="1">
+                <a:highlight>
+                  <a:srgbClr val="FFFF00"/>
+                </a:highlight>
+                <a:latin typeface="Modern No. 20" panose="02070704070505020303" pitchFamily="18" charset="0"/>
+              </a:rPr>
+              <a:t>california</a:t>
+            </a:r>
+            <a:r>
+              <a:rPr lang="en-US" dirty="0">
+                <a:highlight>
+                  <a:srgbClr val="FFFF00"/>
+                </a:highlight>
+                <a:latin typeface="Modern No. 20" panose="02070704070505020303" pitchFamily="18" charset="0"/>
+              </a:rPr>
+              <a:t>", "password":"123456"}</a:t>
+            </a:r>
+          </a:p>
+          <a:p>
+            <a:r>
+              <a:rPr lang="en-US" dirty="0">
+                <a:latin typeface="Modern No. 20" panose="02070704070505020303" pitchFamily="18" charset="0"/>
+              </a:rPr>
+              <a:t>{"errno":0,"id":6,"msgid":4}</a:t>
+            </a:r>
+          </a:p>
+        </p:txBody>
+      </p:sp>
+      <p:sp>
+        <p:nvSpPr>
+          <p:cNvPr id="5" name="TextBox 4">
+            <a:extLst>
+              <a:ext uri="{FF2B5EF4-FFF2-40B4-BE49-F238E27FC236}">
+                <a16:creationId xmlns:a16="http://schemas.microsoft.com/office/drawing/2014/main" id="{14B5B79A-BA43-AD3D-EEA5-2219C8D82E7A}"/>
+              </a:ext>
+            </a:extLst>
+          </p:cNvPr>
+          <p:cNvSpPr txBox="1"/>
+          <p:nvPr/>
+        </p:nvSpPr>
+        <p:spPr>
+          <a:xfrm>
+            <a:off x="1075677" y="1784411"/>
+            <a:ext cx="4304190" cy="3170099"/>
+          </a:xfrm>
+          <a:prstGeom prst="rect">
+            <a:avLst/>
+          </a:prstGeom>
+          <a:noFill/>
+        </p:spPr>
+        <p:txBody>
+          <a:bodyPr wrap="square" rtlCol="0">
+            <a:spAutoFit/>
+          </a:bodyPr>
+          <a:lstStyle/>
+          <a:p>
+            <a:r>
+              <a:rPr lang="en-US" sz="2000" dirty="0">
+                <a:solidFill>
+                  <a:srgbClr val="FF0000"/>
+                </a:solidFill>
+                <a:latin typeface="Modern No. 20" panose="02070704070505020303" pitchFamily="18" charset="0"/>
+              </a:rPr>
+              <a:t>Server Command: </a:t>
+            </a:r>
+          </a:p>
+          <a:p>
+            <a:r>
+              <a:rPr lang="en-US" dirty="0">
+                <a:latin typeface="Modern No. 20" panose="02070704070505020303" pitchFamily="18" charset="0"/>
+              </a:rPr>
+              <a:t>$ ./</a:t>
+            </a:r>
+            <a:r>
+              <a:rPr lang="en-US" dirty="0" err="1">
+                <a:latin typeface="Modern No. 20" panose="02070704070505020303" pitchFamily="18" charset="0"/>
+              </a:rPr>
+              <a:t>ChatServer</a:t>
+            </a:r>
+            <a:r>
+              <a:rPr lang="en-US" dirty="0">
+                <a:latin typeface="Modern No. 20" panose="02070704070505020303" pitchFamily="18" charset="0"/>
+              </a:rPr>
+              <a:t> </a:t>
+            </a:r>
+          </a:p>
+          <a:p>
+            <a:r>
+              <a:rPr lang="en-US" dirty="0">
+                <a:latin typeface="Modern No. 20" panose="02070704070505020303" pitchFamily="18" charset="0"/>
+              </a:rPr>
+              <a:t>20240808 07:13:18.904880Z 44957 INFO  </a:t>
+            </a:r>
+            <a:r>
+              <a:rPr lang="en-US" dirty="0" err="1">
+                <a:latin typeface="Modern No. 20" panose="02070704070505020303" pitchFamily="18" charset="0"/>
+              </a:rPr>
+              <a:t>TcpServer</a:t>
+            </a:r>
+            <a:r>
+              <a:rPr lang="en-US" dirty="0">
+                <a:latin typeface="Modern No. 20" panose="02070704070505020303" pitchFamily="18" charset="0"/>
+              </a:rPr>
+              <a:t>::</a:t>
+            </a:r>
+            <a:r>
+              <a:rPr lang="en-US" dirty="0" err="1">
+                <a:latin typeface="Modern No. 20" panose="02070704070505020303" pitchFamily="18" charset="0"/>
+              </a:rPr>
+              <a:t>newConnection</a:t>
+            </a:r>
+            <a:r>
+              <a:rPr lang="en-US" dirty="0">
+                <a:latin typeface="Modern No. 20" panose="02070704070505020303" pitchFamily="18" charset="0"/>
+              </a:rPr>
+              <a:t> [</a:t>
+            </a:r>
+            <a:r>
+              <a:rPr lang="en-US" dirty="0" err="1">
+                <a:latin typeface="Modern No. 20" panose="02070704070505020303" pitchFamily="18" charset="0"/>
+              </a:rPr>
+              <a:t>ChatServer</a:t>
+            </a:r>
+            <a:r>
+              <a:rPr lang="en-US" dirty="0">
+                <a:latin typeface="Modern No. 20" panose="02070704070505020303" pitchFamily="18" charset="0"/>
+              </a:rPr>
+              <a:t>] - new connection [ChatServer-127.0.0.1:6000#1] from 127.0.0.1:42712 - TcpServer.cc:80</a:t>
+            </a:r>
+          </a:p>
+          <a:p>
+            <a:r>
+              <a:rPr lang="en-US" dirty="0">
+                <a:highlight>
+                  <a:srgbClr val="FFFF00"/>
+                </a:highlight>
+                <a:latin typeface="Modern No. 20" panose="02070704070505020303" pitchFamily="18" charset="0"/>
+              </a:rPr>
+              <a:t>20240808 08:50:09.824434Z 46143 INFO  /home/</a:t>
+            </a:r>
+            <a:r>
+              <a:rPr lang="en-US" dirty="0" err="1">
+                <a:highlight>
+                  <a:srgbClr val="FFFF00"/>
+                </a:highlight>
+                <a:latin typeface="Modern No. 20" panose="02070704070505020303" pitchFamily="18" charset="0"/>
+              </a:rPr>
+              <a:t>beza</a:t>
+            </a:r>
+            <a:r>
+              <a:rPr lang="en-US" dirty="0">
+                <a:highlight>
+                  <a:srgbClr val="FFFF00"/>
+                </a:highlight>
+                <a:latin typeface="Modern No. 20" panose="02070704070505020303" pitchFamily="18" charset="0"/>
+              </a:rPr>
+              <a:t>/</a:t>
+            </a:r>
+            <a:r>
+              <a:rPr lang="en-US" dirty="0" err="1">
+                <a:highlight>
+                  <a:srgbClr val="FFFF00"/>
+                </a:highlight>
+                <a:latin typeface="Modern No. 20" panose="02070704070505020303" pitchFamily="18" charset="0"/>
+              </a:rPr>
+              <a:t>Cluster_Chatroom</a:t>
+            </a:r>
+            <a:r>
+              <a:rPr lang="en-US" dirty="0">
+                <a:highlight>
+                  <a:srgbClr val="FFFF00"/>
+                </a:highlight>
+                <a:latin typeface="Modern No. 20" panose="02070704070505020303" pitchFamily="18" charset="0"/>
+              </a:rPr>
+              <a:t>/</a:t>
+            </a:r>
+            <a:r>
+              <a:rPr lang="en-US" dirty="0" err="1">
+                <a:highlight>
+                  <a:srgbClr val="FFFF00"/>
+                </a:highlight>
+                <a:latin typeface="Modern No. 20" panose="02070704070505020303" pitchFamily="18" charset="0"/>
+              </a:rPr>
+              <a:t>src</a:t>
+            </a:r>
+            <a:r>
+              <a:rPr lang="en-US" dirty="0">
+                <a:highlight>
+                  <a:srgbClr val="FFFF00"/>
+                </a:highlight>
+                <a:latin typeface="Modern No. 20" panose="02070704070505020303" pitchFamily="18" charset="0"/>
+              </a:rPr>
+              <a:t>/server/</a:t>
+            </a:r>
+            <a:r>
+              <a:rPr lang="en-US" dirty="0" err="1">
+                <a:highlight>
+                  <a:srgbClr val="FFFF00"/>
+                </a:highlight>
+                <a:latin typeface="Modern No. 20" panose="02070704070505020303" pitchFamily="18" charset="0"/>
+              </a:rPr>
+              <a:t>db</a:t>
+            </a:r>
+            <a:r>
+              <a:rPr lang="en-US" dirty="0">
+                <a:highlight>
+                  <a:srgbClr val="FFFF00"/>
+                </a:highlight>
+                <a:latin typeface="Modern No. 20" panose="02070704070505020303" pitchFamily="18" charset="0"/>
+              </a:rPr>
+              <a:t>/db.cpp:31:connect MySQL SUCCESS! - db.cpp:31</a:t>
+            </a:r>
+          </a:p>
+        </p:txBody>
+      </p:sp>
+      <p:pic>
+        <p:nvPicPr>
+          <p:cNvPr id="6" name="Picture 5">
+            <a:extLst>
+              <a:ext uri="{FF2B5EF4-FFF2-40B4-BE49-F238E27FC236}">
+                <a16:creationId xmlns:a16="http://schemas.microsoft.com/office/drawing/2014/main" id="{B7860F07-5900-15E4-281F-45A20CD548F9}"/>
+              </a:ext>
+            </a:extLst>
+          </p:cNvPr>
+          <p:cNvPicPr>
+            <a:picLocks noChangeAspect="1"/>
+          </p:cNvPicPr>
+          <p:nvPr/>
+        </p:nvPicPr>
+        <p:blipFill>
+          <a:blip r:embed="rId2"/>
+          <a:stretch>
+            <a:fillRect/>
+          </a:stretch>
+        </p:blipFill>
+        <p:spPr>
+          <a:xfrm>
+            <a:off x="6659593" y="4366287"/>
+            <a:ext cx="4456730" cy="1546680"/>
+          </a:xfrm>
+          <a:prstGeom prst="rect">
+            <a:avLst/>
+          </a:prstGeom>
+        </p:spPr>
+      </p:pic>
+    </p:spTree>
+    <p:extLst>
+      <p:ext uri="{BB962C8B-B14F-4D97-AF65-F5344CB8AC3E}">
+        <p14:creationId xmlns:p14="http://schemas.microsoft.com/office/powerpoint/2010/main" val="191011680"/>
+      </p:ext>
+    </p:extLst>
+  </p:cSld>
+  <p:clrMapOvr>
+    <a:masterClrMapping/>
+  </p:clrMapOvr>
+</p:sld>
+</file>
+
+<file path=ppt/slides/slide11.xml><?xml version="1.0" encoding="utf-8"?>
+<p:sld xmlns:a="http://schemas.openxmlformats.org/drawingml/2006/main" xmlns:r="http://schemas.openxmlformats.org/officeDocument/2006/relationships" xmlns:p="http://schemas.openxmlformats.org/presentationml/2006/main">
+  <p:cSld>
+    <p:spTree>
+      <p:nvGrpSpPr>
+        <p:cNvPr id="1" name=""/>
+        <p:cNvGrpSpPr/>
+        <p:nvPr/>
+      </p:nvGrpSpPr>
+      <p:grpSpPr>
+        <a:xfrm>
+          <a:off x="0" y="0"/>
+          <a:ext cx="0" cy="0"/>
+          <a:chOff x="0" y="0"/>
+          <a:chExt cx="0" cy="0"/>
+        </a:xfrm>
+      </p:grpSpPr>
+      <p:sp>
+        <p:nvSpPr>
+          <p:cNvPr id="2" name="Title 1">
+            <a:extLst>
+              <a:ext uri="{FF2B5EF4-FFF2-40B4-BE49-F238E27FC236}">
+                <a16:creationId xmlns:a16="http://schemas.microsoft.com/office/drawing/2014/main" id="{6666FEA5-D493-4CEF-885D-B8D89C739BE0}"/>
+              </a:ext>
+            </a:extLst>
+          </p:cNvPr>
+          <p:cNvSpPr>
+            <a:spLocks noGrp="1"/>
+          </p:cNvSpPr>
+          <p:nvPr>
+            <p:ph type="title"/>
+          </p:nvPr>
+        </p:nvSpPr>
+        <p:spPr/>
+        <p:txBody>
+          <a:bodyPr/>
+          <a:lstStyle/>
+          <a:p>
+            <a:r>
+              <a:rPr lang="en-US" dirty="0">
+                <a:latin typeface="Modern No. 20" panose="02070704070505020303" pitchFamily="18" charset="0"/>
+              </a:rPr>
               <a:t>Login</a:t>
             </a:r>
           </a:p>
@@ -4218,7 +4724,10 @@
           <a:lstStyle/>
           <a:p>
             <a:r>
-              <a:rPr lang="en-US" sz="2000" dirty="0">
+              <a:rPr lang="en-US" sz="2000" b="1" dirty="0">
+                <a:solidFill>
+                  <a:srgbClr val="FF0000"/>
+                </a:solidFill>
                 <a:latin typeface="Modern No. 20" panose="02070704070505020303" pitchFamily="18" charset="0"/>
               </a:rPr>
               <a:t>Client Command: </a:t>
@@ -4332,7 +4841,10 @@
           <a:lstStyle/>
           <a:p>
             <a:r>
-              <a:rPr lang="en-US" sz="2000" dirty="0">
+              <a:rPr lang="en-US" sz="2000" b="1" dirty="0">
+                <a:solidFill>
+                  <a:srgbClr val="FF0000"/>
+                </a:solidFill>
                 <a:latin typeface="Modern No. 20" panose="02070704070505020303" pitchFamily="18" charset="0"/>
               </a:rPr>
               <a:t>Server Command: </a:t>
@@ -4489,7 +5001,7 @@
             <a:r>
               <a:rPr lang="en-US" dirty="0">
                 <a:highlight>
-                  <a:srgbClr val="C0C0C0"/>
+                  <a:srgbClr val="00FF00"/>
                 </a:highlight>
                 <a:latin typeface="Modern No. 20" panose="02070704070505020303" pitchFamily="18" charset="0"/>
               </a:rPr>
@@ -4498,7 +5010,7 @@
             <a:r>
               <a:rPr lang="en-US" dirty="0" err="1">
                 <a:highlight>
-                  <a:srgbClr val="C0C0C0"/>
+                  <a:srgbClr val="00FF00"/>
                 </a:highlight>
                 <a:latin typeface="Modern No. 20" panose="02070704070505020303" pitchFamily="18" charset="0"/>
               </a:rPr>
@@ -4507,7 +5019,7 @@
             <a:r>
               <a:rPr lang="en-US" dirty="0">
                 <a:highlight>
-                  <a:srgbClr val="C0C0C0"/>
+                  <a:srgbClr val="00FF00"/>
                 </a:highlight>
                 <a:latin typeface="Modern No. 20" panose="02070704070505020303" pitchFamily="18" charset="0"/>
               </a:rPr>
@@ -4516,7 +5028,7 @@
             <a:r>
               <a:rPr lang="en-US" dirty="0" err="1">
                 <a:highlight>
-                  <a:srgbClr val="C0C0C0"/>
+                  <a:srgbClr val="00FF00"/>
                 </a:highlight>
                 <a:latin typeface="Modern No. 20" panose="02070704070505020303" pitchFamily="18" charset="0"/>
               </a:rPr>
@@ -4525,7 +5037,7 @@
             <a:r>
               <a:rPr lang="en-US" dirty="0">
                 <a:highlight>
-                  <a:srgbClr val="C0C0C0"/>
+                  <a:srgbClr val="00FF00"/>
                 </a:highlight>
                 <a:latin typeface="Modern No. 20" panose="02070704070505020303" pitchFamily="18" charset="0"/>
               </a:rPr>
@@ -4534,7 +5046,7 @@
             <a:r>
               <a:rPr lang="en-US" dirty="0" err="1">
                 <a:highlight>
-                  <a:srgbClr val="C0C0C0"/>
+                  <a:srgbClr val="00FF00"/>
                 </a:highlight>
                 <a:latin typeface="Modern No. 20" panose="02070704070505020303" pitchFamily="18" charset="0"/>
               </a:rPr>
@@ -4543,7 +5055,7 @@
             <a:r>
               <a:rPr lang="en-US" dirty="0">
                 <a:highlight>
-                  <a:srgbClr val="C0C0C0"/>
+                  <a:srgbClr val="00FF00"/>
                 </a:highlight>
                 <a:latin typeface="Modern No. 20" panose="02070704070505020303" pitchFamily="18" charset="0"/>
               </a:rPr>
@@ -4552,7 +5064,7 @@
             <a:r>
               <a:rPr lang="en-US" dirty="0" err="1">
                 <a:highlight>
-                  <a:srgbClr val="C0C0C0"/>
+                  <a:srgbClr val="00FF00"/>
                 </a:highlight>
                 <a:latin typeface="Modern No. 20" panose="02070704070505020303" pitchFamily="18" charset="0"/>
               </a:rPr>
@@ -4561,7 +5073,7 @@
             <a:r>
               <a:rPr lang="en-US" dirty="0">
                 <a:highlight>
-                  <a:srgbClr val="C0C0C0"/>
+                  <a:srgbClr val="00FF00"/>
                 </a:highlight>
                 <a:latin typeface="Modern No. 20" panose="02070704070505020303" pitchFamily="18" charset="0"/>
               </a:rPr>
@@ -4696,1176 +5208,6 @@
 </p:sld>
 </file>
 
-<file path=ppt/slides/slide11.xml><?xml version="1.0" encoding="utf-8"?>
-<p:sld xmlns:a="http://schemas.openxmlformats.org/drawingml/2006/main" xmlns:r="http://schemas.openxmlformats.org/officeDocument/2006/relationships" xmlns:p="http://schemas.openxmlformats.org/presentationml/2006/main">
-  <p:cSld>
-    <p:spTree>
-      <p:nvGrpSpPr>
-        <p:cNvPr id="1" name=""/>
-        <p:cNvGrpSpPr/>
-        <p:nvPr/>
-      </p:nvGrpSpPr>
-      <p:grpSpPr>
-        <a:xfrm>
-          <a:off x="0" y="0"/>
-          <a:ext cx="0" cy="0"/>
-          <a:chOff x="0" y="0"/>
-          <a:chExt cx="0" cy="0"/>
-        </a:xfrm>
-      </p:grpSpPr>
-      <p:sp>
-        <p:nvSpPr>
-          <p:cNvPr id="2" name="Title 1">
-            <a:extLst>
-              <a:ext uri="{FF2B5EF4-FFF2-40B4-BE49-F238E27FC236}">
-                <a16:creationId xmlns:a16="http://schemas.microsoft.com/office/drawing/2014/main" id="{6666FEA5-D493-4CEF-885D-B8D89C739BE0}"/>
-              </a:ext>
-            </a:extLst>
-          </p:cNvPr>
-          <p:cNvSpPr>
-            <a:spLocks noGrp="1"/>
-          </p:cNvSpPr>
-          <p:nvPr>
-            <p:ph type="title"/>
-          </p:nvPr>
-        </p:nvSpPr>
-        <p:spPr/>
-        <p:txBody>
-          <a:bodyPr/>
-          <a:lstStyle/>
-          <a:p>
-            <a:r>
-              <a:rPr lang="en-US" dirty="0">
-                <a:latin typeface="Modern No. 20" panose="02070704070505020303" pitchFamily="18" charset="0"/>
-              </a:rPr>
-              <a:t>1-1 Chat</a:t>
-            </a:r>
-          </a:p>
-        </p:txBody>
-      </p:sp>
-      <p:sp>
-        <p:nvSpPr>
-          <p:cNvPr id="5" name="TextBox 4">
-            <a:extLst>
-              <a:ext uri="{FF2B5EF4-FFF2-40B4-BE49-F238E27FC236}">
-                <a16:creationId xmlns:a16="http://schemas.microsoft.com/office/drawing/2014/main" id="{14B5B79A-BA43-AD3D-EEA5-2219C8D82E7A}"/>
-              </a:ext>
-            </a:extLst>
-          </p:cNvPr>
-          <p:cNvSpPr txBox="1"/>
-          <p:nvPr/>
-        </p:nvSpPr>
-        <p:spPr>
-          <a:xfrm>
-            <a:off x="7128769" y="487025"/>
-            <a:ext cx="4570521" cy="6370975"/>
-          </a:xfrm>
-          <a:prstGeom prst="rect">
-            <a:avLst/>
-          </a:prstGeom>
-          <a:noFill/>
-        </p:spPr>
-        <p:txBody>
-          <a:bodyPr wrap="square" rtlCol="0">
-            <a:spAutoFit/>
-          </a:bodyPr>
-          <a:lstStyle/>
-          <a:p>
-            <a:r>
-              <a:rPr lang="en-US" sz="2000" dirty="0">
-                <a:highlight>
-                  <a:srgbClr val="00FFFF"/>
-                </a:highlight>
-                <a:latin typeface="Modern No. 20" panose="02070704070505020303" pitchFamily="18" charset="0"/>
-              </a:rPr>
-              <a:t>Server Command: </a:t>
-            </a:r>
-          </a:p>
-          <a:p>
-            <a:r>
-              <a:rPr lang="en-US" sz="1400" dirty="0">
-                <a:latin typeface="Modern No. 20" panose="02070704070505020303" pitchFamily="18" charset="0"/>
-              </a:rPr>
-              <a:t>$ ./</a:t>
-            </a:r>
-            <a:r>
-              <a:rPr lang="en-US" sz="1400" dirty="0" err="1">
-                <a:latin typeface="Modern No. 20" panose="02070704070505020303" pitchFamily="18" charset="0"/>
-              </a:rPr>
-              <a:t>ChatServer</a:t>
-            </a:r>
-            <a:r>
-              <a:rPr lang="en-US" sz="1400" dirty="0">
-                <a:latin typeface="Modern No. 20" panose="02070704070505020303" pitchFamily="18" charset="0"/>
-              </a:rPr>
-              <a:t> </a:t>
-            </a:r>
-          </a:p>
-          <a:p>
-            <a:r>
-              <a:rPr lang="en-US" sz="1400" dirty="0">
-                <a:solidFill>
-                  <a:schemeClr val="accent6">
-                    <a:lumMod val="75000"/>
-                  </a:schemeClr>
-                </a:solidFill>
-                <a:latin typeface="Modern No. 20" panose="02070704070505020303" pitchFamily="18" charset="0"/>
-              </a:rPr>
-              <a:t>20240808 08:56:34.718951Z 46605 INFO  </a:t>
-            </a:r>
-            <a:r>
-              <a:rPr lang="en-US" sz="1400" dirty="0" err="1">
-                <a:solidFill>
-                  <a:schemeClr val="accent6">
-                    <a:lumMod val="75000"/>
-                  </a:schemeClr>
-                </a:solidFill>
-                <a:latin typeface="Modern No. 20" panose="02070704070505020303" pitchFamily="18" charset="0"/>
-              </a:rPr>
-              <a:t>TcpServer</a:t>
-            </a:r>
-            <a:r>
-              <a:rPr lang="en-US" sz="1400" dirty="0">
-                <a:solidFill>
-                  <a:schemeClr val="accent6">
-                    <a:lumMod val="75000"/>
-                  </a:schemeClr>
-                </a:solidFill>
-                <a:latin typeface="Modern No. 20" panose="02070704070505020303" pitchFamily="18" charset="0"/>
-              </a:rPr>
-              <a:t>::</a:t>
-            </a:r>
-            <a:r>
-              <a:rPr lang="en-US" sz="1400" dirty="0" err="1">
-                <a:solidFill>
-                  <a:schemeClr val="accent6">
-                    <a:lumMod val="75000"/>
-                  </a:schemeClr>
-                </a:solidFill>
-                <a:latin typeface="Modern No. 20" panose="02070704070505020303" pitchFamily="18" charset="0"/>
-              </a:rPr>
-              <a:t>newConnection</a:t>
-            </a:r>
-            <a:r>
-              <a:rPr lang="en-US" sz="1400" dirty="0">
-                <a:solidFill>
-                  <a:schemeClr val="accent6">
-                    <a:lumMod val="75000"/>
-                  </a:schemeClr>
-                </a:solidFill>
-                <a:latin typeface="Modern No. 20" panose="02070704070505020303" pitchFamily="18" charset="0"/>
-              </a:rPr>
-              <a:t> [</a:t>
-            </a:r>
-            <a:r>
-              <a:rPr lang="en-US" sz="1400" dirty="0" err="1">
-                <a:solidFill>
-                  <a:schemeClr val="accent6">
-                    <a:lumMod val="75000"/>
-                  </a:schemeClr>
-                </a:solidFill>
-                <a:latin typeface="Modern No. 20" panose="02070704070505020303" pitchFamily="18" charset="0"/>
-              </a:rPr>
-              <a:t>ChatServer</a:t>
-            </a:r>
-            <a:r>
-              <a:rPr lang="en-US" sz="1400" dirty="0">
-                <a:solidFill>
-                  <a:schemeClr val="accent6">
-                    <a:lumMod val="75000"/>
-                  </a:schemeClr>
-                </a:solidFill>
-                <a:latin typeface="Modern No. 20" panose="02070704070505020303" pitchFamily="18" charset="0"/>
-              </a:rPr>
-              <a:t>] - new connection [ChatServer-127.0.0.1:6000#1] from 127.0.0.1:56638 - TcpServer.cc:80</a:t>
-            </a:r>
-          </a:p>
-          <a:p>
-            <a:r>
-              <a:rPr lang="en-US" sz="1400" dirty="0">
-                <a:solidFill>
-                  <a:schemeClr val="accent2">
-                    <a:lumMod val="75000"/>
-                  </a:schemeClr>
-                </a:solidFill>
-                <a:latin typeface="Modern No. 20" panose="02070704070505020303" pitchFamily="18" charset="0"/>
-              </a:rPr>
-              <a:t>20240808 08:57:18.354496Z 46605 INFO  </a:t>
-            </a:r>
-            <a:r>
-              <a:rPr lang="en-US" sz="1400" dirty="0" err="1">
-                <a:solidFill>
-                  <a:schemeClr val="accent2">
-                    <a:lumMod val="75000"/>
-                  </a:schemeClr>
-                </a:solidFill>
-                <a:latin typeface="Modern No. 20" panose="02070704070505020303" pitchFamily="18" charset="0"/>
-              </a:rPr>
-              <a:t>TcpServer</a:t>
-            </a:r>
-            <a:r>
-              <a:rPr lang="en-US" sz="1400" dirty="0">
-                <a:solidFill>
-                  <a:schemeClr val="accent2">
-                    <a:lumMod val="75000"/>
-                  </a:schemeClr>
-                </a:solidFill>
-                <a:latin typeface="Modern No. 20" panose="02070704070505020303" pitchFamily="18" charset="0"/>
-              </a:rPr>
-              <a:t>::</a:t>
-            </a:r>
-            <a:r>
-              <a:rPr lang="en-US" sz="1400" dirty="0" err="1">
-                <a:solidFill>
-                  <a:schemeClr val="accent2">
-                    <a:lumMod val="75000"/>
-                  </a:schemeClr>
-                </a:solidFill>
-                <a:latin typeface="Modern No. 20" panose="02070704070505020303" pitchFamily="18" charset="0"/>
-              </a:rPr>
-              <a:t>newConnection</a:t>
-            </a:r>
-            <a:r>
-              <a:rPr lang="en-US" sz="1400" dirty="0">
-                <a:solidFill>
-                  <a:schemeClr val="accent2">
-                    <a:lumMod val="75000"/>
-                  </a:schemeClr>
-                </a:solidFill>
-                <a:latin typeface="Modern No. 20" panose="02070704070505020303" pitchFamily="18" charset="0"/>
-              </a:rPr>
-              <a:t> [</a:t>
-            </a:r>
-            <a:r>
-              <a:rPr lang="en-US" sz="1400" dirty="0" err="1">
-                <a:solidFill>
-                  <a:schemeClr val="accent2">
-                    <a:lumMod val="75000"/>
-                  </a:schemeClr>
-                </a:solidFill>
-                <a:latin typeface="Modern No. 20" panose="02070704070505020303" pitchFamily="18" charset="0"/>
-              </a:rPr>
-              <a:t>ChatServer</a:t>
-            </a:r>
-            <a:r>
-              <a:rPr lang="en-US" sz="1400" dirty="0">
-                <a:solidFill>
-                  <a:schemeClr val="accent2">
-                    <a:lumMod val="75000"/>
-                  </a:schemeClr>
-                </a:solidFill>
-                <a:latin typeface="Modern No. 20" panose="02070704070505020303" pitchFamily="18" charset="0"/>
-              </a:rPr>
-              <a:t>] - new connection [ChatServer-127.0.0.1:6000#2] from 127.0.0.1:57316 - TcpServer.cc:80</a:t>
-            </a:r>
-          </a:p>
-          <a:p>
-            <a:r>
-              <a:rPr lang="en-US" sz="1400" dirty="0">
-                <a:solidFill>
-                  <a:schemeClr val="accent6">
-                    <a:lumMod val="75000"/>
-                  </a:schemeClr>
-                </a:solidFill>
-                <a:latin typeface="Modern No. 20" panose="02070704070505020303" pitchFamily="18" charset="0"/>
-              </a:rPr>
-              <a:t>20240808 08:57:41.562821Z 46606 INFO  /home/</a:t>
-            </a:r>
-            <a:r>
-              <a:rPr lang="en-US" sz="1400" dirty="0" err="1">
-                <a:solidFill>
-                  <a:schemeClr val="accent6">
-                    <a:lumMod val="75000"/>
-                  </a:schemeClr>
-                </a:solidFill>
-                <a:latin typeface="Modern No. 20" panose="02070704070505020303" pitchFamily="18" charset="0"/>
-              </a:rPr>
-              <a:t>beza</a:t>
-            </a:r>
-            <a:r>
-              <a:rPr lang="en-US" sz="1400" dirty="0">
-                <a:solidFill>
-                  <a:schemeClr val="accent6">
-                    <a:lumMod val="75000"/>
-                  </a:schemeClr>
-                </a:solidFill>
-                <a:latin typeface="Modern No. 20" panose="02070704070505020303" pitchFamily="18" charset="0"/>
-              </a:rPr>
-              <a:t>/</a:t>
-            </a:r>
-            <a:r>
-              <a:rPr lang="en-US" sz="1400" dirty="0" err="1">
-                <a:solidFill>
-                  <a:schemeClr val="accent6">
-                    <a:lumMod val="75000"/>
-                  </a:schemeClr>
-                </a:solidFill>
-                <a:latin typeface="Modern No. 20" panose="02070704070505020303" pitchFamily="18" charset="0"/>
-              </a:rPr>
-              <a:t>Cluster_Chatroom</a:t>
-            </a:r>
-            <a:r>
-              <a:rPr lang="en-US" sz="1400" dirty="0">
-                <a:solidFill>
-                  <a:schemeClr val="accent6">
-                    <a:lumMod val="75000"/>
-                  </a:schemeClr>
-                </a:solidFill>
-                <a:latin typeface="Modern No. 20" panose="02070704070505020303" pitchFamily="18" charset="0"/>
-              </a:rPr>
-              <a:t>/</a:t>
-            </a:r>
-            <a:r>
-              <a:rPr lang="en-US" sz="1400" dirty="0" err="1">
-                <a:solidFill>
-                  <a:schemeClr val="accent6">
-                    <a:lumMod val="75000"/>
-                  </a:schemeClr>
-                </a:solidFill>
-                <a:latin typeface="Modern No. 20" panose="02070704070505020303" pitchFamily="18" charset="0"/>
-              </a:rPr>
-              <a:t>src</a:t>
-            </a:r>
-            <a:r>
-              <a:rPr lang="en-US" sz="1400" dirty="0">
-                <a:solidFill>
-                  <a:schemeClr val="accent6">
-                    <a:lumMod val="75000"/>
-                  </a:schemeClr>
-                </a:solidFill>
-                <a:latin typeface="Modern No. 20" panose="02070704070505020303" pitchFamily="18" charset="0"/>
-              </a:rPr>
-              <a:t>/server/</a:t>
-            </a:r>
-            <a:r>
-              <a:rPr lang="en-US" sz="1400" dirty="0" err="1">
-                <a:solidFill>
-                  <a:schemeClr val="accent6">
-                    <a:lumMod val="75000"/>
-                  </a:schemeClr>
-                </a:solidFill>
-                <a:latin typeface="Modern No. 20" panose="02070704070505020303" pitchFamily="18" charset="0"/>
-              </a:rPr>
-              <a:t>db</a:t>
-            </a:r>
-            <a:r>
-              <a:rPr lang="en-US" sz="1400" dirty="0">
-                <a:solidFill>
-                  <a:schemeClr val="accent6">
-                    <a:lumMod val="75000"/>
-                  </a:schemeClr>
-                </a:solidFill>
-                <a:latin typeface="Modern No. 20" panose="02070704070505020303" pitchFamily="18" charset="0"/>
-              </a:rPr>
-              <a:t>/db.cpp:31:connect MySQL SUCCESS! - db.cpp:31</a:t>
-            </a:r>
-          </a:p>
-          <a:p>
-            <a:r>
-              <a:rPr lang="en-US" sz="1400" dirty="0">
-                <a:solidFill>
-                  <a:schemeClr val="accent2">
-                    <a:lumMod val="75000"/>
-                  </a:schemeClr>
-                </a:solidFill>
-                <a:latin typeface="Modern No. 20" panose="02070704070505020303" pitchFamily="18" charset="0"/>
-              </a:rPr>
-              <a:t>20240808 08:57:41.573988Z 46606 INFO  /home/</a:t>
-            </a:r>
-            <a:r>
-              <a:rPr lang="en-US" sz="1400" dirty="0" err="1">
-                <a:solidFill>
-                  <a:schemeClr val="accent2">
-                    <a:lumMod val="75000"/>
-                  </a:schemeClr>
-                </a:solidFill>
-                <a:latin typeface="Modern No. 20" panose="02070704070505020303" pitchFamily="18" charset="0"/>
-              </a:rPr>
-              <a:t>beza</a:t>
-            </a:r>
-            <a:r>
-              <a:rPr lang="en-US" sz="1400" dirty="0">
-                <a:solidFill>
-                  <a:schemeClr val="accent2">
-                    <a:lumMod val="75000"/>
-                  </a:schemeClr>
-                </a:solidFill>
-                <a:latin typeface="Modern No. 20" panose="02070704070505020303" pitchFamily="18" charset="0"/>
-              </a:rPr>
-              <a:t>/</a:t>
-            </a:r>
-            <a:r>
-              <a:rPr lang="en-US" sz="1400" dirty="0" err="1">
-                <a:solidFill>
-                  <a:schemeClr val="accent2">
-                    <a:lumMod val="75000"/>
-                  </a:schemeClr>
-                </a:solidFill>
-                <a:latin typeface="Modern No. 20" panose="02070704070505020303" pitchFamily="18" charset="0"/>
-              </a:rPr>
-              <a:t>Cluster_Chatroom</a:t>
-            </a:r>
-            <a:r>
-              <a:rPr lang="en-US" sz="1400" dirty="0">
-                <a:solidFill>
-                  <a:schemeClr val="accent2">
-                    <a:lumMod val="75000"/>
-                  </a:schemeClr>
-                </a:solidFill>
-                <a:latin typeface="Modern No. 20" panose="02070704070505020303" pitchFamily="18" charset="0"/>
-              </a:rPr>
-              <a:t>/</a:t>
-            </a:r>
-            <a:r>
-              <a:rPr lang="en-US" sz="1400" dirty="0" err="1">
-                <a:solidFill>
-                  <a:schemeClr val="accent2">
-                    <a:lumMod val="75000"/>
-                  </a:schemeClr>
-                </a:solidFill>
-                <a:latin typeface="Modern No. 20" panose="02070704070505020303" pitchFamily="18" charset="0"/>
-              </a:rPr>
-              <a:t>src</a:t>
-            </a:r>
-            <a:r>
-              <a:rPr lang="en-US" sz="1400" dirty="0">
-                <a:solidFill>
-                  <a:schemeClr val="accent2">
-                    <a:lumMod val="75000"/>
-                  </a:schemeClr>
-                </a:solidFill>
-                <a:latin typeface="Modern No. 20" panose="02070704070505020303" pitchFamily="18" charset="0"/>
-              </a:rPr>
-              <a:t>/server/</a:t>
-            </a:r>
-            <a:r>
-              <a:rPr lang="en-US" sz="1400" dirty="0" err="1">
-                <a:solidFill>
-                  <a:schemeClr val="accent2">
-                    <a:lumMod val="75000"/>
-                  </a:schemeClr>
-                </a:solidFill>
-                <a:latin typeface="Modern No. 20" panose="02070704070505020303" pitchFamily="18" charset="0"/>
-              </a:rPr>
-              <a:t>db</a:t>
-            </a:r>
-            <a:r>
-              <a:rPr lang="en-US" sz="1400" dirty="0">
-                <a:solidFill>
-                  <a:schemeClr val="accent2">
-                    <a:lumMod val="75000"/>
-                  </a:schemeClr>
-                </a:solidFill>
-                <a:latin typeface="Modern No. 20" panose="02070704070505020303" pitchFamily="18" charset="0"/>
-              </a:rPr>
-              <a:t>/db.cpp:31:connect MySQL SUCCESS! - db.cpp:31</a:t>
-            </a:r>
-          </a:p>
-          <a:p>
-            <a:r>
-              <a:rPr lang="en-US" sz="1400" dirty="0">
-                <a:solidFill>
-                  <a:schemeClr val="accent6">
-                    <a:lumMod val="75000"/>
-                  </a:schemeClr>
-                </a:solidFill>
-                <a:latin typeface="Modern No. 20" panose="02070704070505020303" pitchFamily="18" charset="0"/>
-              </a:rPr>
-              <a:t>20240808 08:57:41.587967Z 46606 INFO  /home/</a:t>
-            </a:r>
-            <a:r>
-              <a:rPr lang="en-US" sz="1400" dirty="0" err="1">
-                <a:solidFill>
-                  <a:schemeClr val="accent6">
-                    <a:lumMod val="75000"/>
-                  </a:schemeClr>
-                </a:solidFill>
-                <a:latin typeface="Modern No. 20" panose="02070704070505020303" pitchFamily="18" charset="0"/>
-              </a:rPr>
-              <a:t>beza</a:t>
-            </a:r>
-            <a:r>
-              <a:rPr lang="en-US" sz="1400" dirty="0">
-                <a:solidFill>
-                  <a:schemeClr val="accent6">
-                    <a:lumMod val="75000"/>
-                  </a:schemeClr>
-                </a:solidFill>
-                <a:latin typeface="Modern No. 20" panose="02070704070505020303" pitchFamily="18" charset="0"/>
-              </a:rPr>
-              <a:t>/</a:t>
-            </a:r>
-            <a:r>
-              <a:rPr lang="en-US" sz="1400" dirty="0" err="1">
-                <a:solidFill>
-                  <a:schemeClr val="accent6">
-                    <a:lumMod val="75000"/>
-                  </a:schemeClr>
-                </a:solidFill>
-                <a:latin typeface="Modern No. 20" panose="02070704070505020303" pitchFamily="18" charset="0"/>
-              </a:rPr>
-              <a:t>Cluster_Chatroom</a:t>
-            </a:r>
-            <a:r>
-              <a:rPr lang="en-US" sz="1400" dirty="0">
-                <a:solidFill>
-                  <a:schemeClr val="accent6">
-                    <a:lumMod val="75000"/>
-                  </a:schemeClr>
-                </a:solidFill>
-                <a:latin typeface="Modern No. 20" panose="02070704070505020303" pitchFamily="18" charset="0"/>
-              </a:rPr>
-              <a:t>/</a:t>
-            </a:r>
-            <a:r>
-              <a:rPr lang="en-US" sz="1400" dirty="0" err="1">
-                <a:solidFill>
-                  <a:schemeClr val="accent6">
-                    <a:lumMod val="75000"/>
-                  </a:schemeClr>
-                </a:solidFill>
-                <a:latin typeface="Modern No. 20" panose="02070704070505020303" pitchFamily="18" charset="0"/>
-              </a:rPr>
-              <a:t>src</a:t>
-            </a:r>
-            <a:r>
-              <a:rPr lang="en-US" sz="1400" dirty="0">
-                <a:solidFill>
-                  <a:schemeClr val="accent6">
-                    <a:lumMod val="75000"/>
-                  </a:schemeClr>
-                </a:solidFill>
-                <a:latin typeface="Modern No. 20" panose="02070704070505020303" pitchFamily="18" charset="0"/>
-              </a:rPr>
-              <a:t>/server/</a:t>
-            </a:r>
-            <a:r>
-              <a:rPr lang="en-US" sz="1400" dirty="0" err="1">
-                <a:solidFill>
-                  <a:schemeClr val="accent6">
-                    <a:lumMod val="75000"/>
-                  </a:schemeClr>
-                </a:solidFill>
-                <a:latin typeface="Modern No. 20" panose="02070704070505020303" pitchFamily="18" charset="0"/>
-              </a:rPr>
-              <a:t>db</a:t>
-            </a:r>
-            <a:r>
-              <a:rPr lang="en-US" sz="1400" dirty="0">
-                <a:solidFill>
-                  <a:schemeClr val="accent6">
-                    <a:lumMod val="75000"/>
-                  </a:schemeClr>
-                </a:solidFill>
-                <a:latin typeface="Modern No. 20" panose="02070704070505020303" pitchFamily="18" charset="0"/>
-              </a:rPr>
-              <a:t>/db.cpp:31:connect MySQL SUCCESS! - db.cpp:31</a:t>
-            </a:r>
-          </a:p>
-          <a:p>
-            <a:r>
-              <a:rPr lang="en-US" sz="1400" dirty="0">
-                <a:solidFill>
-                  <a:schemeClr val="accent2">
-                    <a:lumMod val="75000"/>
-                  </a:schemeClr>
-                </a:solidFill>
-                <a:latin typeface="Modern No. 20" panose="02070704070505020303" pitchFamily="18" charset="0"/>
-              </a:rPr>
-              <a:t>20240808 08:57:51.317376Z 46607 INFO  /home/</a:t>
-            </a:r>
-            <a:r>
-              <a:rPr lang="en-US" sz="1400" dirty="0" err="1">
-                <a:solidFill>
-                  <a:schemeClr val="accent2">
-                    <a:lumMod val="75000"/>
-                  </a:schemeClr>
-                </a:solidFill>
-                <a:latin typeface="Modern No. 20" panose="02070704070505020303" pitchFamily="18" charset="0"/>
-              </a:rPr>
-              <a:t>beza</a:t>
-            </a:r>
-            <a:r>
-              <a:rPr lang="en-US" sz="1400" dirty="0">
-                <a:solidFill>
-                  <a:schemeClr val="accent2">
-                    <a:lumMod val="75000"/>
-                  </a:schemeClr>
-                </a:solidFill>
-                <a:latin typeface="Modern No. 20" panose="02070704070505020303" pitchFamily="18" charset="0"/>
-              </a:rPr>
-              <a:t>/</a:t>
-            </a:r>
-            <a:r>
-              <a:rPr lang="en-US" sz="1400" dirty="0" err="1">
-                <a:solidFill>
-                  <a:schemeClr val="accent2">
-                    <a:lumMod val="75000"/>
-                  </a:schemeClr>
-                </a:solidFill>
-                <a:latin typeface="Modern No. 20" panose="02070704070505020303" pitchFamily="18" charset="0"/>
-              </a:rPr>
-              <a:t>Cluster_Chatroom</a:t>
-            </a:r>
-            <a:r>
-              <a:rPr lang="en-US" sz="1400" dirty="0">
-                <a:solidFill>
-                  <a:schemeClr val="accent2">
-                    <a:lumMod val="75000"/>
-                  </a:schemeClr>
-                </a:solidFill>
-                <a:latin typeface="Modern No. 20" panose="02070704070505020303" pitchFamily="18" charset="0"/>
-              </a:rPr>
-              <a:t>/</a:t>
-            </a:r>
-            <a:r>
-              <a:rPr lang="en-US" sz="1400" dirty="0" err="1">
-                <a:solidFill>
-                  <a:schemeClr val="accent2">
-                    <a:lumMod val="75000"/>
-                  </a:schemeClr>
-                </a:solidFill>
-                <a:latin typeface="Modern No. 20" panose="02070704070505020303" pitchFamily="18" charset="0"/>
-              </a:rPr>
-              <a:t>src</a:t>
-            </a:r>
-            <a:r>
-              <a:rPr lang="en-US" sz="1400" dirty="0">
-                <a:solidFill>
-                  <a:schemeClr val="accent2">
-                    <a:lumMod val="75000"/>
-                  </a:schemeClr>
-                </a:solidFill>
-                <a:latin typeface="Modern No. 20" panose="02070704070505020303" pitchFamily="18" charset="0"/>
-              </a:rPr>
-              <a:t>/server/</a:t>
-            </a:r>
-            <a:r>
-              <a:rPr lang="en-US" sz="1400" dirty="0" err="1">
-                <a:solidFill>
-                  <a:schemeClr val="accent2">
-                    <a:lumMod val="75000"/>
-                  </a:schemeClr>
-                </a:solidFill>
-                <a:latin typeface="Modern No. 20" panose="02070704070505020303" pitchFamily="18" charset="0"/>
-              </a:rPr>
-              <a:t>db</a:t>
-            </a:r>
-            <a:r>
-              <a:rPr lang="en-US" sz="1400" dirty="0">
-                <a:solidFill>
-                  <a:schemeClr val="accent2">
-                    <a:lumMod val="75000"/>
-                  </a:schemeClr>
-                </a:solidFill>
-                <a:latin typeface="Modern No. 20" panose="02070704070505020303" pitchFamily="18" charset="0"/>
-              </a:rPr>
-              <a:t>/db.cpp:31:connect MySQL SUCCESS! - db.cpp:31</a:t>
-            </a:r>
-          </a:p>
-          <a:p>
-            <a:r>
-              <a:rPr lang="en-US" sz="1400" dirty="0">
-                <a:solidFill>
-                  <a:schemeClr val="accent6">
-                    <a:lumMod val="75000"/>
-                  </a:schemeClr>
-                </a:solidFill>
-                <a:latin typeface="Modern No. 20" panose="02070704070505020303" pitchFamily="18" charset="0"/>
-              </a:rPr>
-              <a:t>20240808 08:57:51.327311Z 46607 INFO  /home/</a:t>
-            </a:r>
-            <a:r>
-              <a:rPr lang="en-US" sz="1400" dirty="0" err="1">
-                <a:solidFill>
-                  <a:schemeClr val="accent6">
-                    <a:lumMod val="75000"/>
-                  </a:schemeClr>
-                </a:solidFill>
-                <a:latin typeface="Modern No. 20" panose="02070704070505020303" pitchFamily="18" charset="0"/>
-              </a:rPr>
-              <a:t>beza</a:t>
-            </a:r>
-            <a:r>
-              <a:rPr lang="en-US" sz="1400" dirty="0">
-                <a:solidFill>
-                  <a:schemeClr val="accent6">
-                    <a:lumMod val="75000"/>
-                  </a:schemeClr>
-                </a:solidFill>
-                <a:latin typeface="Modern No. 20" panose="02070704070505020303" pitchFamily="18" charset="0"/>
-              </a:rPr>
-              <a:t>/</a:t>
-            </a:r>
-            <a:r>
-              <a:rPr lang="en-US" sz="1400" dirty="0" err="1">
-                <a:solidFill>
-                  <a:schemeClr val="accent6">
-                    <a:lumMod val="75000"/>
-                  </a:schemeClr>
-                </a:solidFill>
-                <a:latin typeface="Modern No. 20" panose="02070704070505020303" pitchFamily="18" charset="0"/>
-              </a:rPr>
-              <a:t>Cluster_Chatroom</a:t>
-            </a:r>
-            <a:r>
-              <a:rPr lang="en-US" sz="1400" dirty="0">
-                <a:solidFill>
-                  <a:schemeClr val="accent6">
-                    <a:lumMod val="75000"/>
-                  </a:schemeClr>
-                </a:solidFill>
-                <a:latin typeface="Modern No. 20" panose="02070704070505020303" pitchFamily="18" charset="0"/>
-              </a:rPr>
-              <a:t>/</a:t>
-            </a:r>
-            <a:r>
-              <a:rPr lang="en-US" sz="1400" dirty="0" err="1">
-                <a:solidFill>
-                  <a:schemeClr val="accent6">
-                    <a:lumMod val="75000"/>
-                  </a:schemeClr>
-                </a:solidFill>
-                <a:latin typeface="Modern No. 20" panose="02070704070505020303" pitchFamily="18" charset="0"/>
-              </a:rPr>
-              <a:t>src</a:t>
-            </a:r>
-            <a:r>
-              <a:rPr lang="en-US" sz="1400" dirty="0">
-                <a:solidFill>
-                  <a:schemeClr val="accent6">
-                    <a:lumMod val="75000"/>
-                  </a:schemeClr>
-                </a:solidFill>
-                <a:latin typeface="Modern No. 20" panose="02070704070505020303" pitchFamily="18" charset="0"/>
-              </a:rPr>
-              <a:t>/server/</a:t>
-            </a:r>
-            <a:r>
-              <a:rPr lang="en-US" sz="1400" dirty="0" err="1">
-                <a:solidFill>
-                  <a:schemeClr val="accent6">
-                    <a:lumMod val="75000"/>
-                  </a:schemeClr>
-                </a:solidFill>
-                <a:latin typeface="Modern No. 20" panose="02070704070505020303" pitchFamily="18" charset="0"/>
-              </a:rPr>
-              <a:t>db</a:t>
-            </a:r>
-            <a:r>
-              <a:rPr lang="en-US" sz="1400" dirty="0">
-                <a:solidFill>
-                  <a:schemeClr val="accent6">
-                    <a:lumMod val="75000"/>
-                  </a:schemeClr>
-                </a:solidFill>
-                <a:latin typeface="Modern No. 20" panose="02070704070505020303" pitchFamily="18" charset="0"/>
-              </a:rPr>
-              <a:t>/db.cpp:31:connect MySQL SUCCESS! - db.cpp:31</a:t>
-            </a:r>
-          </a:p>
-          <a:p>
-            <a:r>
-              <a:rPr lang="en-US" sz="1400" dirty="0">
-                <a:solidFill>
-                  <a:schemeClr val="accent2">
-                    <a:lumMod val="75000"/>
-                  </a:schemeClr>
-                </a:solidFill>
-                <a:latin typeface="Modern No. 20" panose="02070704070505020303" pitchFamily="18" charset="0"/>
-              </a:rPr>
-              <a:t>20240808 08:57:51.340924Z 46607 INFO  /home/</a:t>
-            </a:r>
-            <a:r>
-              <a:rPr lang="en-US" sz="1400" dirty="0" err="1">
-                <a:solidFill>
-                  <a:schemeClr val="accent2">
-                    <a:lumMod val="75000"/>
-                  </a:schemeClr>
-                </a:solidFill>
-                <a:latin typeface="Modern No. 20" panose="02070704070505020303" pitchFamily="18" charset="0"/>
-              </a:rPr>
-              <a:t>beza</a:t>
-            </a:r>
-            <a:r>
-              <a:rPr lang="en-US" sz="1400" dirty="0">
-                <a:solidFill>
-                  <a:schemeClr val="accent2">
-                    <a:lumMod val="75000"/>
-                  </a:schemeClr>
-                </a:solidFill>
-                <a:latin typeface="Modern No. 20" panose="02070704070505020303" pitchFamily="18" charset="0"/>
-              </a:rPr>
-              <a:t>/</a:t>
-            </a:r>
-            <a:r>
-              <a:rPr lang="en-US" sz="1400" dirty="0" err="1">
-                <a:solidFill>
-                  <a:schemeClr val="accent2">
-                    <a:lumMod val="75000"/>
-                  </a:schemeClr>
-                </a:solidFill>
-                <a:latin typeface="Modern No. 20" panose="02070704070505020303" pitchFamily="18" charset="0"/>
-              </a:rPr>
-              <a:t>Cluster_Chatroom</a:t>
-            </a:r>
-            <a:r>
-              <a:rPr lang="en-US" sz="1400" dirty="0">
-                <a:solidFill>
-                  <a:schemeClr val="accent2">
-                    <a:lumMod val="75000"/>
-                  </a:schemeClr>
-                </a:solidFill>
-                <a:latin typeface="Modern No. 20" panose="02070704070505020303" pitchFamily="18" charset="0"/>
-              </a:rPr>
-              <a:t>/</a:t>
-            </a:r>
-            <a:r>
-              <a:rPr lang="en-US" sz="1400" dirty="0" err="1">
-                <a:solidFill>
-                  <a:schemeClr val="accent2">
-                    <a:lumMod val="75000"/>
-                  </a:schemeClr>
-                </a:solidFill>
-                <a:latin typeface="Modern No. 20" panose="02070704070505020303" pitchFamily="18" charset="0"/>
-              </a:rPr>
-              <a:t>src</a:t>
-            </a:r>
-            <a:r>
-              <a:rPr lang="en-US" sz="1400" dirty="0">
-                <a:solidFill>
-                  <a:schemeClr val="accent2">
-                    <a:lumMod val="75000"/>
-                  </a:schemeClr>
-                </a:solidFill>
-                <a:latin typeface="Modern No. 20" panose="02070704070505020303" pitchFamily="18" charset="0"/>
-              </a:rPr>
-              <a:t>/server/</a:t>
-            </a:r>
-            <a:r>
-              <a:rPr lang="en-US" sz="1400" dirty="0" err="1">
-                <a:solidFill>
-                  <a:schemeClr val="accent2">
-                    <a:lumMod val="75000"/>
-                  </a:schemeClr>
-                </a:solidFill>
-                <a:latin typeface="Modern No. 20" panose="02070704070505020303" pitchFamily="18" charset="0"/>
-              </a:rPr>
-              <a:t>db</a:t>
-            </a:r>
-            <a:r>
-              <a:rPr lang="en-US" sz="1400" dirty="0">
-                <a:solidFill>
-                  <a:schemeClr val="accent2">
-                    <a:lumMod val="75000"/>
-                  </a:schemeClr>
-                </a:solidFill>
-                <a:latin typeface="Modern No. 20" panose="02070704070505020303" pitchFamily="18" charset="0"/>
-              </a:rPr>
-              <a:t>/db.cpp:31:connect MySQL SUCCESS! - db.cpp:31</a:t>
-            </a:r>
-          </a:p>
-        </p:txBody>
-      </p:sp>
-      <p:sp>
-        <p:nvSpPr>
-          <p:cNvPr id="3" name="TextBox 2">
-            <a:extLst>
-              <a:ext uri="{FF2B5EF4-FFF2-40B4-BE49-F238E27FC236}">
-                <a16:creationId xmlns:a16="http://schemas.microsoft.com/office/drawing/2014/main" id="{A4EC52CD-1667-1B81-6A73-177CB780E6C0}"/>
-              </a:ext>
-            </a:extLst>
-          </p:cNvPr>
-          <p:cNvSpPr txBox="1"/>
-          <p:nvPr/>
-        </p:nvSpPr>
-        <p:spPr>
-          <a:xfrm>
-            <a:off x="729446" y="1424358"/>
-            <a:ext cx="6399323" cy="2616101"/>
-          </a:xfrm>
-          <a:prstGeom prst="rect">
-            <a:avLst/>
-          </a:prstGeom>
-          <a:noFill/>
-        </p:spPr>
-        <p:txBody>
-          <a:bodyPr wrap="square" rtlCol="0">
-            <a:spAutoFit/>
-          </a:bodyPr>
-          <a:lstStyle/>
-          <a:p>
-            <a:r>
-              <a:rPr lang="en-US" sz="2000" u="sng" dirty="0">
-                <a:highlight>
-                  <a:srgbClr val="00FFFF"/>
-                </a:highlight>
-                <a:latin typeface="Modern No. 20" panose="02070704070505020303" pitchFamily="18" charset="0"/>
-              </a:rPr>
-              <a:t>Client-1 Terminal: </a:t>
-            </a:r>
-          </a:p>
-          <a:p>
-            <a:r>
-              <a:rPr lang="en-US" dirty="0">
-                <a:latin typeface="Modern No. 20" panose="02070704070505020303" pitchFamily="18" charset="0"/>
-              </a:rPr>
-              <a:t>$ telnet 127.0.0.1 6000</a:t>
-            </a:r>
-          </a:p>
-          <a:p>
-            <a:r>
-              <a:rPr lang="en-US" dirty="0">
-                <a:latin typeface="Modern No. 20" panose="02070704070505020303" pitchFamily="18" charset="0"/>
-              </a:rPr>
-              <a:t>Trying 127.0.0.1...</a:t>
-            </a:r>
-          </a:p>
-          <a:p>
-            <a:r>
-              <a:rPr lang="en-US" dirty="0">
-                <a:latin typeface="Modern No. 20" panose="02070704070505020303" pitchFamily="18" charset="0"/>
-              </a:rPr>
-              <a:t>Connected to 127.0.0.1.</a:t>
-            </a:r>
-          </a:p>
-          <a:p>
-            <a:r>
-              <a:rPr lang="en-US" dirty="0">
-                <a:latin typeface="Modern No. 20" panose="02070704070505020303" pitchFamily="18" charset="0"/>
-              </a:rPr>
-              <a:t>Escape character is '^]'.</a:t>
-            </a:r>
-          </a:p>
-          <a:p>
-            <a:r>
-              <a:rPr lang="en-US" dirty="0">
-                <a:latin typeface="Modern No. 20" panose="02070704070505020303" pitchFamily="18" charset="0"/>
-              </a:rPr>
-              <a:t>{"msgid":1, </a:t>
-            </a:r>
-            <a:r>
-              <a:rPr lang="en-US" dirty="0">
-                <a:highlight>
-                  <a:srgbClr val="FFFF00"/>
-                </a:highlight>
-                <a:latin typeface="Modern No. 20" panose="02070704070505020303" pitchFamily="18" charset="0"/>
-              </a:rPr>
-              <a:t>"id":3</a:t>
-            </a:r>
-            <a:r>
-              <a:rPr lang="en-US" dirty="0">
-                <a:latin typeface="Modern No. 20" panose="02070704070505020303" pitchFamily="18" charset="0"/>
-              </a:rPr>
-              <a:t>, "password":"123456"}</a:t>
-            </a:r>
-          </a:p>
-          <a:p>
-            <a:r>
-              <a:rPr lang="en-US" dirty="0">
-                <a:latin typeface="Modern No. 20" panose="02070704070505020303" pitchFamily="18" charset="0"/>
-              </a:rPr>
-              <a:t>{"errno":0,"id":3,"msgid":2,"name":"sfbu"}</a:t>
-            </a:r>
-          </a:p>
-          <a:p>
-            <a:r>
-              <a:rPr lang="en-US" dirty="0">
-                <a:latin typeface="Modern No. 20" panose="02070704070505020303" pitchFamily="18" charset="0"/>
-              </a:rPr>
-              <a:t>{"msgid":5, "id":3, "from":"</a:t>
-            </a:r>
-            <a:r>
-              <a:rPr lang="en-US" dirty="0" err="1">
-                <a:latin typeface="Modern No. 20" panose="02070704070505020303" pitchFamily="18" charset="0"/>
-              </a:rPr>
-              <a:t>sfbu</a:t>
-            </a:r>
-            <a:r>
-              <a:rPr lang="en-US" dirty="0">
-                <a:latin typeface="Modern No. 20" panose="02070704070505020303" pitchFamily="18" charset="0"/>
-              </a:rPr>
-              <a:t>", "to":4, "</a:t>
-            </a:r>
-            <a:r>
-              <a:rPr lang="en-US" dirty="0" err="1">
-                <a:latin typeface="Modern No. 20" panose="02070704070505020303" pitchFamily="18" charset="0"/>
-              </a:rPr>
-              <a:t>msg":"Good</a:t>
-            </a:r>
-            <a:r>
-              <a:rPr lang="en-US" dirty="0">
-                <a:latin typeface="Modern No. 20" panose="02070704070505020303" pitchFamily="18" charset="0"/>
-              </a:rPr>
-              <a:t> morning!"}</a:t>
-            </a:r>
-          </a:p>
-          <a:p>
-            <a:r>
-              <a:rPr lang="en-US" dirty="0">
-                <a:latin typeface="Modern No. 20" panose="02070704070505020303" pitchFamily="18" charset="0"/>
-              </a:rPr>
-              <a:t>{"from":"sjsu","id":4,"msg":"Woooowwww!","msgid":5,"to":3}</a:t>
-            </a:r>
-          </a:p>
-        </p:txBody>
-      </p:sp>
-      <p:sp>
-        <p:nvSpPr>
-          <p:cNvPr id="6" name="TextBox 5">
-            <a:extLst>
-              <a:ext uri="{FF2B5EF4-FFF2-40B4-BE49-F238E27FC236}">
-                <a16:creationId xmlns:a16="http://schemas.microsoft.com/office/drawing/2014/main" id="{A9FA5415-3FEB-A45A-607C-DDEFB0167569}"/>
-              </a:ext>
-            </a:extLst>
-          </p:cNvPr>
-          <p:cNvSpPr txBox="1"/>
-          <p:nvPr/>
-        </p:nvSpPr>
-        <p:spPr>
-          <a:xfrm>
-            <a:off x="729445" y="4040459"/>
-            <a:ext cx="6053834" cy="2616101"/>
-          </a:xfrm>
-          <a:prstGeom prst="rect">
-            <a:avLst/>
-          </a:prstGeom>
-          <a:noFill/>
-        </p:spPr>
-        <p:txBody>
-          <a:bodyPr wrap="square" rtlCol="0">
-            <a:spAutoFit/>
-          </a:bodyPr>
-          <a:lstStyle/>
-          <a:p>
-            <a:r>
-              <a:rPr lang="en-US" sz="2000" u="sng" dirty="0">
-                <a:highlight>
-                  <a:srgbClr val="00FFFF"/>
-                </a:highlight>
-                <a:latin typeface="Modern No. 20" panose="02070704070505020303" pitchFamily="18" charset="0"/>
-              </a:rPr>
-              <a:t>Client-2 Terminal: </a:t>
-            </a:r>
-          </a:p>
-          <a:p>
-            <a:r>
-              <a:rPr lang="en-US" dirty="0">
-                <a:latin typeface="Modern No. 20" panose="02070704070505020303" pitchFamily="18" charset="0"/>
-              </a:rPr>
-              <a:t>$ telnet 127.0.0.1 6000</a:t>
-            </a:r>
-          </a:p>
-          <a:p>
-            <a:r>
-              <a:rPr lang="en-US" dirty="0">
-                <a:latin typeface="Modern No. 20" panose="02070704070505020303" pitchFamily="18" charset="0"/>
-              </a:rPr>
-              <a:t>Trying 127.0.0.1...</a:t>
-            </a:r>
-          </a:p>
-          <a:p>
-            <a:r>
-              <a:rPr lang="en-US" dirty="0">
-                <a:latin typeface="Modern No. 20" panose="02070704070505020303" pitchFamily="18" charset="0"/>
-              </a:rPr>
-              <a:t>Connected to 127.0.0.1.</a:t>
-            </a:r>
-          </a:p>
-          <a:p>
-            <a:r>
-              <a:rPr lang="en-US" dirty="0">
-                <a:latin typeface="Modern No. 20" panose="02070704070505020303" pitchFamily="18" charset="0"/>
-              </a:rPr>
-              <a:t>Escape character is '^]'.</a:t>
-            </a:r>
-          </a:p>
-          <a:p>
-            <a:r>
-              <a:rPr lang="en-US" dirty="0">
-                <a:latin typeface="Modern No. 20" panose="02070704070505020303" pitchFamily="18" charset="0"/>
-              </a:rPr>
-              <a:t>{"msgid":1, "id":4, "password":"123456"}</a:t>
-            </a:r>
-          </a:p>
-          <a:p>
-            <a:r>
-              <a:rPr lang="en-US" dirty="0">
-                <a:latin typeface="Modern No. 20" panose="02070704070505020303" pitchFamily="18" charset="0"/>
-              </a:rPr>
-              <a:t>{"errno":0</a:t>
-            </a:r>
-            <a:r>
-              <a:rPr lang="en-US" dirty="0">
-                <a:highlight>
-                  <a:srgbClr val="FFFF00"/>
-                </a:highlight>
-                <a:latin typeface="Modern No. 20" panose="02070704070505020303" pitchFamily="18" charset="0"/>
-              </a:rPr>
-              <a:t>,"id":4</a:t>
-            </a:r>
-            <a:r>
-              <a:rPr lang="en-US" dirty="0">
-                <a:latin typeface="Modern No. 20" panose="02070704070505020303" pitchFamily="18" charset="0"/>
-              </a:rPr>
-              <a:t>,"msgid":2,"name":"sjsu"}</a:t>
-            </a:r>
-          </a:p>
-          <a:p>
-            <a:r>
-              <a:rPr lang="en-US" dirty="0">
-                <a:latin typeface="Modern No. 20" panose="02070704070505020303" pitchFamily="18" charset="0"/>
-              </a:rPr>
-              <a:t>{"from":"sfbu","id":3,"msg":"Good morning!","msgid":5,"to":4}</a:t>
-            </a:r>
-          </a:p>
-          <a:p>
-            <a:r>
-              <a:rPr lang="en-US" dirty="0">
-                <a:latin typeface="Modern No. 20" panose="02070704070505020303" pitchFamily="18" charset="0"/>
-              </a:rPr>
-              <a:t>{"msgid":5, "id":4, "from":"</a:t>
-            </a:r>
-            <a:r>
-              <a:rPr lang="en-US" dirty="0" err="1">
-                <a:latin typeface="Modern No. 20" panose="02070704070505020303" pitchFamily="18" charset="0"/>
-              </a:rPr>
-              <a:t>sjsu</a:t>
-            </a:r>
-            <a:r>
-              <a:rPr lang="en-US" dirty="0">
-                <a:latin typeface="Modern No. 20" panose="02070704070505020303" pitchFamily="18" charset="0"/>
-              </a:rPr>
-              <a:t>", "to":3, "msg":"</a:t>
-            </a:r>
-            <a:r>
-              <a:rPr lang="en-US" dirty="0" err="1">
-                <a:latin typeface="Modern No. 20" panose="02070704070505020303" pitchFamily="18" charset="0"/>
-              </a:rPr>
-              <a:t>Woooowwww</a:t>
-            </a:r>
-            <a:r>
-              <a:rPr lang="en-US" dirty="0">
-                <a:latin typeface="Modern No. 20" panose="02070704070505020303" pitchFamily="18" charset="0"/>
-              </a:rPr>
-              <a:t>!"}</a:t>
-            </a:r>
-          </a:p>
-        </p:txBody>
-      </p:sp>
-    </p:spTree>
-    <p:extLst>
-      <p:ext uri="{BB962C8B-B14F-4D97-AF65-F5344CB8AC3E}">
-        <p14:creationId xmlns:p14="http://schemas.microsoft.com/office/powerpoint/2010/main" val="2094135376"/>
-      </p:ext>
-    </p:extLst>
-  </p:cSld>
-  <p:clrMapOvr>
-    <a:masterClrMapping/>
-  </p:clrMapOvr>
-</p:sld>
-</file>
-
 <file path=ppt/slides/slide12.xml><?xml version="1.0" encoding="utf-8"?>
 <p:sld xmlns:a="http://schemas.openxmlformats.org/drawingml/2006/main" xmlns:r="http://schemas.openxmlformats.org/officeDocument/2006/relationships" xmlns:p="http://schemas.openxmlformats.org/presentationml/2006/main">
   <p:cSld>
@@ -5899,6 +5241,1176 @@
             <p:ph type="title"/>
           </p:nvPr>
         </p:nvSpPr>
+        <p:spPr/>
+        <p:txBody>
+          <a:bodyPr/>
+          <a:lstStyle/>
+          <a:p>
+            <a:r>
+              <a:rPr lang="en-US" dirty="0">
+                <a:latin typeface="Modern No. 20" panose="02070704070505020303" pitchFamily="18" charset="0"/>
+              </a:rPr>
+              <a:t>1-1 Chat</a:t>
+            </a:r>
+          </a:p>
+        </p:txBody>
+      </p:sp>
+      <p:sp>
+        <p:nvSpPr>
+          <p:cNvPr id="5" name="TextBox 4">
+            <a:extLst>
+              <a:ext uri="{FF2B5EF4-FFF2-40B4-BE49-F238E27FC236}">
+                <a16:creationId xmlns:a16="http://schemas.microsoft.com/office/drawing/2014/main" id="{14B5B79A-BA43-AD3D-EEA5-2219C8D82E7A}"/>
+              </a:ext>
+            </a:extLst>
+          </p:cNvPr>
+          <p:cNvSpPr txBox="1"/>
+          <p:nvPr/>
+        </p:nvSpPr>
+        <p:spPr>
+          <a:xfrm>
+            <a:off x="7128769" y="487025"/>
+            <a:ext cx="4570521" cy="6370975"/>
+          </a:xfrm>
+          <a:prstGeom prst="rect">
+            <a:avLst/>
+          </a:prstGeom>
+          <a:noFill/>
+        </p:spPr>
+        <p:txBody>
+          <a:bodyPr wrap="square" rtlCol="0">
+            <a:spAutoFit/>
+          </a:bodyPr>
+          <a:lstStyle/>
+          <a:p>
+            <a:r>
+              <a:rPr lang="en-US" sz="2000" dirty="0">
+                <a:highlight>
+                  <a:srgbClr val="00FFFF"/>
+                </a:highlight>
+                <a:latin typeface="Modern No. 20" panose="02070704070505020303" pitchFamily="18" charset="0"/>
+              </a:rPr>
+              <a:t>Server Command: </a:t>
+            </a:r>
+          </a:p>
+          <a:p>
+            <a:r>
+              <a:rPr lang="en-US" sz="1400" dirty="0">
+                <a:latin typeface="Modern No. 20" panose="02070704070505020303" pitchFamily="18" charset="0"/>
+              </a:rPr>
+              <a:t>$ ./</a:t>
+            </a:r>
+            <a:r>
+              <a:rPr lang="en-US" sz="1400" dirty="0" err="1">
+                <a:latin typeface="Modern No. 20" panose="02070704070505020303" pitchFamily="18" charset="0"/>
+              </a:rPr>
+              <a:t>ChatServer</a:t>
+            </a:r>
+            <a:r>
+              <a:rPr lang="en-US" sz="1400" dirty="0">
+                <a:latin typeface="Modern No. 20" panose="02070704070505020303" pitchFamily="18" charset="0"/>
+              </a:rPr>
+              <a:t> </a:t>
+            </a:r>
+          </a:p>
+          <a:p>
+            <a:r>
+              <a:rPr lang="en-US" sz="1400" dirty="0">
+                <a:solidFill>
+                  <a:schemeClr val="accent6">
+                    <a:lumMod val="75000"/>
+                  </a:schemeClr>
+                </a:solidFill>
+                <a:latin typeface="Modern No. 20" panose="02070704070505020303" pitchFamily="18" charset="0"/>
+              </a:rPr>
+              <a:t>20240808 08:56:34.718951Z 46605 INFO  </a:t>
+            </a:r>
+            <a:r>
+              <a:rPr lang="en-US" sz="1400" dirty="0" err="1">
+                <a:solidFill>
+                  <a:schemeClr val="accent6">
+                    <a:lumMod val="75000"/>
+                  </a:schemeClr>
+                </a:solidFill>
+                <a:latin typeface="Modern No. 20" panose="02070704070505020303" pitchFamily="18" charset="0"/>
+              </a:rPr>
+              <a:t>TcpServer</a:t>
+            </a:r>
+            <a:r>
+              <a:rPr lang="en-US" sz="1400" dirty="0">
+                <a:solidFill>
+                  <a:schemeClr val="accent6">
+                    <a:lumMod val="75000"/>
+                  </a:schemeClr>
+                </a:solidFill>
+                <a:latin typeface="Modern No. 20" panose="02070704070505020303" pitchFamily="18" charset="0"/>
+              </a:rPr>
+              <a:t>::</a:t>
+            </a:r>
+            <a:r>
+              <a:rPr lang="en-US" sz="1400" dirty="0" err="1">
+                <a:solidFill>
+                  <a:schemeClr val="accent6">
+                    <a:lumMod val="75000"/>
+                  </a:schemeClr>
+                </a:solidFill>
+                <a:latin typeface="Modern No. 20" panose="02070704070505020303" pitchFamily="18" charset="0"/>
+              </a:rPr>
+              <a:t>newConnection</a:t>
+            </a:r>
+            <a:r>
+              <a:rPr lang="en-US" sz="1400" dirty="0">
+                <a:solidFill>
+                  <a:schemeClr val="accent6">
+                    <a:lumMod val="75000"/>
+                  </a:schemeClr>
+                </a:solidFill>
+                <a:latin typeface="Modern No. 20" panose="02070704070505020303" pitchFamily="18" charset="0"/>
+              </a:rPr>
+              <a:t> [</a:t>
+            </a:r>
+            <a:r>
+              <a:rPr lang="en-US" sz="1400" dirty="0" err="1">
+                <a:solidFill>
+                  <a:schemeClr val="accent6">
+                    <a:lumMod val="75000"/>
+                  </a:schemeClr>
+                </a:solidFill>
+                <a:latin typeface="Modern No. 20" panose="02070704070505020303" pitchFamily="18" charset="0"/>
+              </a:rPr>
+              <a:t>ChatServer</a:t>
+            </a:r>
+            <a:r>
+              <a:rPr lang="en-US" sz="1400" dirty="0">
+                <a:solidFill>
+                  <a:schemeClr val="accent6">
+                    <a:lumMod val="75000"/>
+                  </a:schemeClr>
+                </a:solidFill>
+                <a:latin typeface="Modern No. 20" panose="02070704070505020303" pitchFamily="18" charset="0"/>
+              </a:rPr>
+              <a:t>] - new connection [ChatServer-127.0.0.1:6000#1] from 127.0.0.1:56638 - TcpServer.cc:80</a:t>
+            </a:r>
+          </a:p>
+          <a:p>
+            <a:r>
+              <a:rPr lang="en-US" sz="1400" dirty="0">
+                <a:solidFill>
+                  <a:schemeClr val="accent2">
+                    <a:lumMod val="75000"/>
+                  </a:schemeClr>
+                </a:solidFill>
+                <a:latin typeface="Modern No. 20" panose="02070704070505020303" pitchFamily="18" charset="0"/>
+              </a:rPr>
+              <a:t>20240808 08:57:18.354496Z 46605 INFO  </a:t>
+            </a:r>
+            <a:r>
+              <a:rPr lang="en-US" sz="1400" dirty="0" err="1">
+                <a:solidFill>
+                  <a:schemeClr val="accent2">
+                    <a:lumMod val="75000"/>
+                  </a:schemeClr>
+                </a:solidFill>
+                <a:latin typeface="Modern No. 20" panose="02070704070505020303" pitchFamily="18" charset="0"/>
+              </a:rPr>
+              <a:t>TcpServer</a:t>
+            </a:r>
+            <a:r>
+              <a:rPr lang="en-US" sz="1400" dirty="0">
+                <a:solidFill>
+                  <a:schemeClr val="accent2">
+                    <a:lumMod val="75000"/>
+                  </a:schemeClr>
+                </a:solidFill>
+                <a:latin typeface="Modern No. 20" panose="02070704070505020303" pitchFamily="18" charset="0"/>
+              </a:rPr>
+              <a:t>::</a:t>
+            </a:r>
+            <a:r>
+              <a:rPr lang="en-US" sz="1400" dirty="0" err="1">
+                <a:solidFill>
+                  <a:schemeClr val="accent2">
+                    <a:lumMod val="75000"/>
+                  </a:schemeClr>
+                </a:solidFill>
+                <a:latin typeface="Modern No. 20" panose="02070704070505020303" pitchFamily="18" charset="0"/>
+              </a:rPr>
+              <a:t>newConnection</a:t>
+            </a:r>
+            <a:r>
+              <a:rPr lang="en-US" sz="1400" dirty="0">
+                <a:solidFill>
+                  <a:schemeClr val="accent2">
+                    <a:lumMod val="75000"/>
+                  </a:schemeClr>
+                </a:solidFill>
+                <a:latin typeface="Modern No. 20" panose="02070704070505020303" pitchFamily="18" charset="0"/>
+              </a:rPr>
+              <a:t> [</a:t>
+            </a:r>
+            <a:r>
+              <a:rPr lang="en-US" sz="1400" dirty="0" err="1">
+                <a:solidFill>
+                  <a:schemeClr val="accent2">
+                    <a:lumMod val="75000"/>
+                  </a:schemeClr>
+                </a:solidFill>
+                <a:latin typeface="Modern No. 20" panose="02070704070505020303" pitchFamily="18" charset="0"/>
+              </a:rPr>
+              <a:t>ChatServer</a:t>
+            </a:r>
+            <a:r>
+              <a:rPr lang="en-US" sz="1400" dirty="0">
+                <a:solidFill>
+                  <a:schemeClr val="accent2">
+                    <a:lumMod val="75000"/>
+                  </a:schemeClr>
+                </a:solidFill>
+                <a:latin typeface="Modern No. 20" panose="02070704070505020303" pitchFamily="18" charset="0"/>
+              </a:rPr>
+              <a:t>] - new connection [ChatServer-127.0.0.1:6000#2] from 127.0.0.1:57316 - TcpServer.cc:80</a:t>
+            </a:r>
+          </a:p>
+          <a:p>
+            <a:r>
+              <a:rPr lang="en-US" sz="1400" dirty="0">
+                <a:solidFill>
+                  <a:schemeClr val="accent6">
+                    <a:lumMod val="75000"/>
+                  </a:schemeClr>
+                </a:solidFill>
+                <a:latin typeface="Modern No. 20" panose="02070704070505020303" pitchFamily="18" charset="0"/>
+              </a:rPr>
+              <a:t>20240808 08:57:41.562821Z 46606 INFO  /home/</a:t>
+            </a:r>
+            <a:r>
+              <a:rPr lang="en-US" sz="1400" dirty="0" err="1">
+                <a:solidFill>
+                  <a:schemeClr val="accent6">
+                    <a:lumMod val="75000"/>
+                  </a:schemeClr>
+                </a:solidFill>
+                <a:latin typeface="Modern No. 20" panose="02070704070505020303" pitchFamily="18" charset="0"/>
+              </a:rPr>
+              <a:t>beza</a:t>
+            </a:r>
+            <a:r>
+              <a:rPr lang="en-US" sz="1400" dirty="0">
+                <a:solidFill>
+                  <a:schemeClr val="accent6">
+                    <a:lumMod val="75000"/>
+                  </a:schemeClr>
+                </a:solidFill>
+                <a:latin typeface="Modern No. 20" panose="02070704070505020303" pitchFamily="18" charset="0"/>
+              </a:rPr>
+              <a:t>/</a:t>
+            </a:r>
+            <a:r>
+              <a:rPr lang="en-US" sz="1400" dirty="0" err="1">
+                <a:solidFill>
+                  <a:schemeClr val="accent6">
+                    <a:lumMod val="75000"/>
+                  </a:schemeClr>
+                </a:solidFill>
+                <a:latin typeface="Modern No. 20" panose="02070704070505020303" pitchFamily="18" charset="0"/>
+              </a:rPr>
+              <a:t>Cluster_Chatroom</a:t>
+            </a:r>
+            <a:r>
+              <a:rPr lang="en-US" sz="1400" dirty="0">
+                <a:solidFill>
+                  <a:schemeClr val="accent6">
+                    <a:lumMod val="75000"/>
+                  </a:schemeClr>
+                </a:solidFill>
+                <a:latin typeface="Modern No. 20" panose="02070704070505020303" pitchFamily="18" charset="0"/>
+              </a:rPr>
+              <a:t>/</a:t>
+            </a:r>
+            <a:r>
+              <a:rPr lang="en-US" sz="1400" dirty="0" err="1">
+                <a:solidFill>
+                  <a:schemeClr val="accent6">
+                    <a:lumMod val="75000"/>
+                  </a:schemeClr>
+                </a:solidFill>
+                <a:latin typeface="Modern No. 20" panose="02070704070505020303" pitchFamily="18" charset="0"/>
+              </a:rPr>
+              <a:t>src</a:t>
+            </a:r>
+            <a:r>
+              <a:rPr lang="en-US" sz="1400" dirty="0">
+                <a:solidFill>
+                  <a:schemeClr val="accent6">
+                    <a:lumMod val="75000"/>
+                  </a:schemeClr>
+                </a:solidFill>
+                <a:latin typeface="Modern No. 20" panose="02070704070505020303" pitchFamily="18" charset="0"/>
+              </a:rPr>
+              <a:t>/server/</a:t>
+            </a:r>
+            <a:r>
+              <a:rPr lang="en-US" sz="1400" dirty="0" err="1">
+                <a:solidFill>
+                  <a:schemeClr val="accent6">
+                    <a:lumMod val="75000"/>
+                  </a:schemeClr>
+                </a:solidFill>
+                <a:latin typeface="Modern No. 20" panose="02070704070505020303" pitchFamily="18" charset="0"/>
+              </a:rPr>
+              <a:t>db</a:t>
+            </a:r>
+            <a:r>
+              <a:rPr lang="en-US" sz="1400" dirty="0">
+                <a:solidFill>
+                  <a:schemeClr val="accent6">
+                    <a:lumMod val="75000"/>
+                  </a:schemeClr>
+                </a:solidFill>
+                <a:latin typeface="Modern No. 20" panose="02070704070505020303" pitchFamily="18" charset="0"/>
+              </a:rPr>
+              <a:t>/db.cpp:31:connect MySQL SUCCESS! - db.cpp:31</a:t>
+            </a:r>
+          </a:p>
+          <a:p>
+            <a:r>
+              <a:rPr lang="en-US" sz="1400" dirty="0">
+                <a:solidFill>
+                  <a:schemeClr val="accent2">
+                    <a:lumMod val="75000"/>
+                  </a:schemeClr>
+                </a:solidFill>
+                <a:latin typeface="Modern No. 20" panose="02070704070505020303" pitchFamily="18" charset="0"/>
+              </a:rPr>
+              <a:t>20240808 08:57:41.573988Z 46606 INFO  /home/</a:t>
+            </a:r>
+            <a:r>
+              <a:rPr lang="en-US" sz="1400" dirty="0" err="1">
+                <a:solidFill>
+                  <a:schemeClr val="accent2">
+                    <a:lumMod val="75000"/>
+                  </a:schemeClr>
+                </a:solidFill>
+                <a:latin typeface="Modern No. 20" panose="02070704070505020303" pitchFamily="18" charset="0"/>
+              </a:rPr>
+              <a:t>beza</a:t>
+            </a:r>
+            <a:r>
+              <a:rPr lang="en-US" sz="1400" dirty="0">
+                <a:solidFill>
+                  <a:schemeClr val="accent2">
+                    <a:lumMod val="75000"/>
+                  </a:schemeClr>
+                </a:solidFill>
+                <a:latin typeface="Modern No. 20" panose="02070704070505020303" pitchFamily="18" charset="0"/>
+              </a:rPr>
+              <a:t>/</a:t>
+            </a:r>
+            <a:r>
+              <a:rPr lang="en-US" sz="1400" dirty="0" err="1">
+                <a:solidFill>
+                  <a:schemeClr val="accent2">
+                    <a:lumMod val="75000"/>
+                  </a:schemeClr>
+                </a:solidFill>
+                <a:latin typeface="Modern No. 20" panose="02070704070505020303" pitchFamily="18" charset="0"/>
+              </a:rPr>
+              <a:t>Cluster_Chatroom</a:t>
+            </a:r>
+            <a:r>
+              <a:rPr lang="en-US" sz="1400" dirty="0">
+                <a:solidFill>
+                  <a:schemeClr val="accent2">
+                    <a:lumMod val="75000"/>
+                  </a:schemeClr>
+                </a:solidFill>
+                <a:latin typeface="Modern No. 20" panose="02070704070505020303" pitchFamily="18" charset="0"/>
+              </a:rPr>
+              <a:t>/</a:t>
+            </a:r>
+            <a:r>
+              <a:rPr lang="en-US" sz="1400" dirty="0" err="1">
+                <a:solidFill>
+                  <a:schemeClr val="accent2">
+                    <a:lumMod val="75000"/>
+                  </a:schemeClr>
+                </a:solidFill>
+                <a:latin typeface="Modern No. 20" panose="02070704070505020303" pitchFamily="18" charset="0"/>
+              </a:rPr>
+              <a:t>src</a:t>
+            </a:r>
+            <a:r>
+              <a:rPr lang="en-US" sz="1400" dirty="0">
+                <a:solidFill>
+                  <a:schemeClr val="accent2">
+                    <a:lumMod val="75000"/>
+                  </a:schemeClr>
+                </a:solidFill>
+                <a:latin typeface="Modern No. 20" panose="02070704070505020303" pitchFamily="18" charset="0"/>
+              </a:rPr>
+              <a:t>/server/</a:t>
+            </a:r>
+            <a:r>
+              <a:rPr lang="en-US" sz="1400" dirty="0" err="1">
+                <a:solidFill>
+                  <a:schemeClr val="accent2">
+                    <a:lumMod val="75000"/>
+                  </a:schemeClr>
+                </a:solidFill>
+                <a:latin typeface="Modern No. 20" panose="02070704070505020303" pitchFamily="18" charset="0"/>
+              </a:rPr>
+              <a:t>db</a:t>
+            </a:r>
+            <a:r>
+              <a:rPr lang="en-US" sz="1400" dirty="0">
+                <a:solidFill>
+                  <a:schemeClr val="accent2">
+                    <a:lumMod val="75000"/>
+                  </a:schemeClr>
+                </a:solidFill>
+                <a:latin typeface="Modern No. 20" panose="02070704070505020303" pitchFamily="18" charset="0"/>
+              </a:rPr>
+              <a:t>/db.cpp:31:connect MySQL SUCCESS! - db.cpp:31</a:t>
+            </a:r>
+          </a:p>
+          <a:p>
+            <a:r>
+              <a:rPr lang="en-US" sz="1400" dirty="0">
+                <a:solidFill>
+                  <a:schemeClr val="accent6">
+                    <a:lumMod val="75000"/>
+                  </a:schemeClr>
+                </a:solidFill>
+                <a:latin typeface="Modern No. 20" panose="02070704070505020303" pitchFamily="18" charset="0"/>
+              </a:rPr>
+              <a:t>20240808 08:57:41.587967Z 46606 INFO  /home/</a:t>
+            </a:r>
+            <a:r>
+              <a:rPr lang="en-US" sz="1400" dirty="0" err="1">
+                <a:solidFill>
+                  <a:schemeClr val="accent6">
+                    <a:lumMod val="75000"/>
+                  </a:schemeClr>
+                </a:solidFill>
+                <a:latin typeface="Modern No. 20" panose="02070704070505020303" pitchFamily="18" charset="0"/>
+              </a:rPr>
+              <a:t>beza</a:t>
+            </a:r>
+            <a:r>
+              <a:rPr lang="en-US" sz="1400" dirty="0">
+                <a:solidFill>
+                  <a:schemeClr val="accent6">
+                    <a:lumMod val="75000"/>
+                  </a:schemeClr>
+                </a:solidFill>
+                <a:latin typeface="Modern No. 20" panose="02070704070505020303" pitchFamily="18" charset="0"/>
+              </a:rPr>
+              <a:t>/</a:t>
+            </a:r>
+            <a:r>
+              <a:rPr lang="en-US" sz="1400" dirty="0" err="1">
+                <a:solidFill>
+                  <a:schemeClr val="accent6">
+                    <a:lumMod val="75000"/>
+                  </a:schemeClr>
+                </a:solidFill>
+                <a:latin typeface="Modern No. 20" panose="02070704070505020303" pitchFamily="18" charset="0"/>
+              </a:rPr>
+              <a:t>Cluster_Chatroom</a:t>
+            </a:r>
+            <a:r>
+              <a:rPr lang="en-US" sz="1400" dirty="0">
+                <a:solidFill>
+                  <a:schemeClr val="accent6">
+                    <a:lumMod val="75000"/>
+                  </a:schemeClr>
+                </a:solidFill>
+                <a:latin typeface="Modern No. 20" panose="02070704070505020303" pitchFamily="18" charset="0"/>
+              </a:rPr>
+              <a:t>/</a:t>
+            </a:r>
+            <a:r>
+              <a:rPr lang="en-US" sz="1400" dirty="0" err="1">
+                <a:solidFill>
+                  <a:schemeClr val="accent6">
+                    <a:lumMod val="75000"/>
+                  </a:schemeClr>
+                </a:solidFill>
+                <a:latin typeface="Modern No. 20" panose="02070704070505020303" pitchFamily="18" charset="0"/>
+              </a:rPr>
+              <a:t>src</a:t>
+            </a:r>
+            <a:r>
+              <a:rPr lang="en-US" sz="1400" dirty="0">
+                <a:solidFill>
+                  <a:schemeClr val="accent6">
+                    <a:lumMod val="75000"/>
+                  </a:schemeClr>
+                </a:solidFill>
+                <a:latin typeface="Modern No. 20" panose="02070704070505020303" pitchFamily="18" charset="0"/>
+              </a:rPr>
+              <a:t>/server/</a:t>
+            </a:r>
+            <a:r>
+              <a:rPr lang="en-US" sz="1400" dirty="0" err="1">
+                <a:solidFill>
+                  <a:schemeClr val="accent6">
+                    <a:lumMod val="75000"/>
+                  </a:schemeClr>
+                </a:solidFill>
+                <a:latin typeface="Modern No. 20" panose="02070704070505020303" pitchFamily="18" charset="0"/>
+              </a:rPr>
+              <a:t>db</a:t>
+            </a:r>
+            <a:r>
+              <a:rPr lang="en-US" sz="1400" dirty="0">
+                <a:solidFill>
+                  <a:schemeClr val="accent6">
+                    <a:lumMod val="75000"/>
+                  </a:schemeClr>
+                </a:solidFill>
+                <a:latin typeface="Modern No. 20" panose="02070704070505020303" pitchFamily="18" charset="0"/>
+              </a:rPr>
+              <a:t>/db.cpp:31:connect MySQL SUCCESS! - db.cpp:31</a:t>
+            </a:r>
+          </a:p>
+          <a:p>
+            <a:r>
+              <a:rPr lang="en-US" sz="1400" dirty="0">
+                <a:solidFill>
+                  <a:schemeClr val="accent2">
+                    <a:lumMod val="75000"/>
+                  </a:schemeClr>
+                </a:solidFill>
+                <a:latin typeface="Modern No. 20" panose="02070704070505020303" pitchFamily="18" charset="0"/>
+              </a:rPr>
+              <a:t>20240808 08:57:51.317376Z 46607 INFO  /home/</a:t>
+            </a:r>
+            <a:r>
+              <a:rPr lang="en-US" sz="1400" dirty="0" err="1">
+                <a:solidFill>
+                  <a:schemeClr val="accent2">
+                    <a:lumMod val="75000"/>
+                  </a:schemeClr>
+                </a:solidFill>
+                <a:latin typeface="Modern No. 20" panose="02070704070505020303" pitchFamily="18" charset="0"/>
+              </a:rPr>
+              <a:t>beza</a:t>
+            </a:r>
+            <a:r>
+              <a:rPr lang="en-US" sz="1400" dirty="0">
+                <a:solidFill>
+                  <a:schemeClr val="accent2">
+                    <a:lumMod val="75000"/>
+                  </a:schemeClr>
+                </a:solidFill>
+                <a:latin typeface="Modern No. 20" panose="02070704070505020303" pitchFamily="18" charset="0"/>
+              </a:rPr>
+              <a:t>/</a:t>
+            </a:r>
+            <a:r>
+              <a:rPr lang="en-US" sz="1400" dirty="0" err="1">
+                <a:solidFill>
+                  <a:schemeClr val="accent2">
+                    <a:lumMod val="75000"/>
+                  </a:schemeClr>
+                </a:solidFill>
+                <a:latin typeface="Modern No. 20" panose="02070704070505020303" pitchFamily="18" charset="0"/>
+              </a:rPr>
+              <a:t>Cluster_Chatroom</a:t>
+            </a:r>
+            <a:r>
+              <a:rPr lang="en-US" sz="1400" dirty="0">
+                <a:solidFill>
+                  <a:schemeClr val="accent2">
+                    <a:lumMod val="75000"/>
+                  </a:schemeClr>
+                </a:solidFill>
+                <a:latin typeface="Modern No. 20" panose="02070704070505020303" pitchFamily="18" charset="0"/>
+              </a:rPr>
+              <a:t>/</a:t>
+            </a:r>
+            <a:r>
+              <a:rPr lang="en-US" sz="1400" dirty="0" err="1">
+                <a:solidFill>
+                  <a:schemeClr val="accent2">
+                    <a:lumMod val="75000"/>
+                  </a:schemeClr>
+                </a:solidFill>
+                <a:latin typeface="Modern No. 20" panose="02070704070505020303" pitchFamily="18" charset="0"/>
+              </a:rPr>
+              <a:t>src</a:t>
+            </a:r>
+            <a:r>
+              <a:rPr lang="en-US" sz="1400" dirty="0">
+                <a:solidFill>
+                  <a:schemeClr val="accent2">
+                    <a:lumMod val="75000"/>
+                  </a:schemeClr>
+                </a:solidFill>
+                <a:latin typeface="Modern No. 20" panose="02070704070505020303" pitchFamily="18" charset="0"/>
+              </a:rPr>
+              <a:t>/server/</a:t>
+            </a:r>
+            <a:r>
+              <a:rPr lang="en-US" sz="1400" dirty="0" err="1">
+                <a:solidFill>
+                  <a:schemeClr val="accent2">
+                    <a:lumMod val="75000"/>
+                  </a:schemeClr>
+                </a:solidFill>
+                <a:latin typeface="Modern No. 20" panose="02070704070505020303" pitchFamily="18" charset="0"/>
+              </a:rPr>
+              <a:t>db</a:t>
+            </a:r>
+            <a:r>
+              <a:rPr lang="en-US" sz="1400" dirty="0">
+                <a:solidFill>
+                  <a:schemeClr val="accent2">
+                    <a:lumMod val="75000"/>
+                  </a:schemeClr>
+                </a:solidFill>
+                <a:latin typeface="Modern No. 20" panose="02070704070505020303" pitchFamily="18" charset="0"/>
+              </a:rPr>
+              <a:t>/db.cpp:31:connect MySQL SUCCESS! - db.cpp:31</a:t>
+            </a:r>
+          </a:p>
+          <a:p>
+            <a:r>
+              <a:rPr lang="en-US" sz="1400" dirty="0">
+                <a:solidFill>
+                  <a:schemeClr val="accent6">
+                    <a:lumMod val="75000"/>
+                  </a:schemeClr>
+                </a:solidFill>
+                <a:latin typeface="Modern No. 20" panose="02070704070505020303" pitchFamily="18" charset="0"/>
+              </a:rPr>
+              <a:t>20240808 08:57:51.327311Z 46607 INFO  /home/</a:t>
+            </a:r>
+            <a:r>
+              <a:rPr lang="en-US" sz="1400" dirty="0" err="1">
+                <a:solidFill>
+                  <a:schemeClr val="accent6">
+                    <a:lumMod val="75000"/>
+                  </a:schemeClr>
+                </a:solidFill>
+                <a:latin typeface="Modern No. 20" panose="02070704070505020303" pitchFamily="18" charset="0"/>
+              </a:rPr>
+              <a:t>beza</a:t>
+            </a:r>
+            <a:r>
+              <a:rPr lang="en-US" sz="1400" dirty="0">
+                <a:solidFill>
+                  <a:schemeClr val="accent6">
+                    <a:lumMod val="75000"/>
+                  </a:schemeClr>
+                </a:solidFill>
+                <a:latin typeface="Modern No. 20" panose="02070704070505020303" pitchFamily="18" charset="0"/>
+              </a:rPr>
+              <a:t>/</a:t>
+            </a:r>
+            <a:r>
+              <a:rPr lang="en-US" sz="1400" dirty="0" err="1">
+                <a:solidFill>
+                  <a:schemeClr val="accent6">
+                    <a:lumMod val="75000"/>
+                  </a:schemeClr>
+                </a:solidFill>
+                <a:latin typeface="Modern No. 20" panose="02070704070505020303" pitchFamily="18" charset="0"/>
+              </a:rPr>
+              <a:t>Cluster_Chatroom</a:t>
+            </a:r>
+            <a:r>
+              <a:rPr lang="en-US" sz="1400" dirty="0">
+                <a:solidFill>
+                  <a:schemeClr val="accent6">
+                    <a:lumMod val="75000"/>
+                  </a:schemeClr>
+                </a:solidFill>
+                <a:latin typeface="Modern No. 20" panose="02070704070505020303" pitchFamily="18" charset="0"/>
+              </a:rPr>
+              <a:t>/</a:t>
+            </a:r>
+            <a:r>
+              <a:rPr lang="en-US" sz="1400" dirty="0" err="1">
+                <a:solidFill>
+                  <a:schemeClr val="accent6">
+                    <a:lumMod val="75000"/>
+                  </a:schemeClr>
+                </a:solidFill>
+                <a:latin typeface="Modern No. 20" panose="02070704070505020303" pitchFamily="18" charset="0"/>
+              </a:rPr>
+              <a:t>src</a:t>
+            </a:r>
+            <a:r>
+              <a:rPr lang="en-US" sz="1400" dirty="0">
+                <a:solidFill>
+                  <a:schemeClr val="accent6">
+                    <a:lumMod val="75000"/>
+                  </a:schemeClr>
+                </a:solidFill>
+                <a:latin typeface="Modern No. 20" panose="02070704070505020303" pitchFamily="18" charset="0"/>
+              </a:rPr>
+              <a:t>/server/</a:t>
+            </a:r>
+            <a:r>
+              <a:rPr lang="en-US" sz="1400" dirty="0" err="1">
+                <a:solidFill>
+                  <a:schemeClr val="accent6">
+                    <a:lumMod val="75000"/>
+                  </a:schemeClr>
+                </a:solidFill>
+                <a:latin typeface="Modern No. 20" panose="02070704070505020303" pitchFamily="18" charset="0"/>
+              </a:rPr>
+              <a:t>db</a:t>
+            </a:r>
+            <a:r>
+              <a:rPr lang="en-US" sz="1400" dirty="0">
+                <a:solidFill>
+                  <a:schemeClr val="accent6">
+                    <a:lumMod val="75000"/>
+                  </a:schemeClr>
+                </a:solidFill>
+                <a:latin typeface="Modern No. 20" panose="02070704070505020303" pitchFamily="18" charset="0"/>
+              </a:rPr>
+              <a:t>/db.cpp:31:connect MySQL SUCCESS! - db.cpp:31</a:t>
+            </a:r>
+          </a:p>
+          <a:p>
+            <a:r>
+              <a:rPr lang="en-US" sz="1400" dirty="0">
+                <a:solidFill>
+                  <a:schemeClr val="accent2">
+                    <a:lumMod val="75000"/>
+                  </a:schemeClr>
+                </a:solidFill>
+                <a:latin typeface="Modern No. 20" panose="02070704070505020303" pitchFamily="18" charset="0"/>
+              </a:rPr>
+              <a:t>20240808 08:57:51.340924Z 46607 INFO  /home/</a:t>
+            </a:r>
+            <a:r>
+              <a:rPr lang="en-US" sz="1400" dirty="0" err="1">
+                <a:solidFill>
+                  <a:schemeClr val="accent2">
+                    <a:lumMod val="75000"/>
+                  </a:schemeClr>
+                </a:solidFill>
+                <a:latin typeface="Modern No. 20" panose="02070704070505020303" pitchFamily="18" charset="0"/>
+              </a:rPr>
+              <a:t>beza</a:t>
+            </a:r>
+            <a:r>
+              <a:rPr lang="en-US" sz="1400" dirty="0">
+                <a:solidFill>
+                  <a:schemeClr val="accent2">
+                    <a:lumMod val="75000"/>
+                  </a:schemeClr>
+                </a:solidFill>
+                <a:latin typeface="Modern No. 20" panose="02070704070505020303" pitchFamily="18" charset="0"/>
+              </a:rPr>
+              <a:t>/</a:t>
+            </a:r>
+            <a:r>
+              <a:rPr lang="en-US" sz="1400" dirty="0" err="1">
+                <a:solidFill>
+                  <a:schemeClr val="accent2">
+                    <a:lumMod val="75000"/>
+                  </a:schemeClr>
+                </a:solidFill>
+                <a:latin typeface="Modern No. 20" panose="02070704070505020303" pitchFamily="18" charset="0"/>
+              </a:rPr>
+              <a:t>Cluster_Chatroom</a:t>
+            </a:r>
+            <a:r>
+              <a:rPr lang="en-US" sz="1400" dirty="0">
+                <a:solidFill>
+                  <a:schemeClr val="accent2">
+                    <a:lumMod val="75000"/>
+                  </a:schemeClr>
+                </a:solidFill>
+                <a:latin typeface="Modern No. 20" panose="02070704070505020303" pitchFamily="18" charset="0"/>
+              </a:rPr>
+              <a:t>/</a:t>
+            </a:r>
+            <a:r>
+              <a:rPr lang="en-US" sz="1400" dirty="0" err="1">
+                <a:solidFill>
+                  <a:schemeClr val="accent2">
+                    <a:lumMod val="75000"/>
+                  </a:schemeClr>
+                </a:solidFill>
+                <a:latin typeface="Modern No. 20" panose="02070704070505020303" pitchFamily="18" charset="0"/>
+              </a:rPr>
+              <a:t>src</a:t>
+            </a:r>
+            <a:r>
+              <a:rPr lang="en-US" sz="1400" dirty="0">
+                <a:solidFill>
+                  <a:schemeClr val="accent2">
+                    <a:lumMod val="75000"/>
+                  </a:schemeClr>
+                </a:solidFill>
+                <a:latin typeface="Modern No. 20" panose="02070704070505020303" pitchFamily="18" charset="0"/>
+              </a:rPr>
+              <a:t>/server/</a:t>
+            </a:r>
+            <a:r>
+              <a:rPr lang="en-US" sz="1400" dirty="0" err="1">
+                <a:solidFill>
+                  <a:schemeClr val="accent2">
+                    <a:lumMod val="75000"/>
+                  </a:schemeClr>
+                </a:solidFill>
+                <a:latin typeface="Modern No. 20" panose="02070704070505020303" pitchFamily="18" charset="0"/>
+              </a:rPr>
+              <a:t>db</a:t>
+            </a:r>
+            <a:r>
+              <a:rPr lang="en-US" sz="1400" dirty="0">
+                <a:solidFill>
+                  <a:schemeClr val="accent2">
+                    <a:lumMod val="75000"/>
+                  </a:schemeClr>
+                </a:solidFill>
+                <a:latin typeface="Modern No. 20" panose="02070704070505020303" pitchFamily="18" charset="0"/>
+              </a:rPr>
+              <a:t>/db.cpp:31:connect MySQL SUCCESS! - db.cpp:31</a:t>
+            </a:r>
+          </a:p>
+        </p:txBody>
+      </p:sp>
+      <p:sp>
+        <p:nvSpPr>
+          <p:cNvPr id="3" name="TextBox 2">
+            <a:extLst>
+              <a:ext uri="{FF2B5EF4-FFF2-40B4-BE49-F238E27FC236}">
+                <a16:creationId xmlns:a16="http://schemas.microsoft.com/office/drawing/2014/main" id="{A4EC52CD-1667-1B81-6A73-177CB780E6C0}"/>
+              </a:ext>
+            </a:extLst>
+          </p:cNvPr>
+          <p:cNvSpPr txBox="1"/>
+          <p:nvPr/>
+        </p:nvSpPr>
+        <p:spPr>
+          <a:xfrm>
+            <a:off x="729446" y="1424358"/>
+            <a:ext cx="6399323" cy="2616101"/>
+          </a:xfrm>
+          <a:prstGeom prst="rect">
+            <a:avLst/>
+          </a:prstGeom>
+          <a:noFill/>
+        </p:spPr>
+        <p:txBody>
+          <a:bodyPr wrap="square" rtlCol="0">
+            <a:spAutoFit/>
+          </a:bodyPr>
+          <a:lstStyle/>
+          <a:p>
+            <a:r>
+              <a:rPr lang="en-US" sz="2000" u="sng" dirty="0">
+                <a:highlight>
+                  <a:srgbClr val="00FFFF"/>
+                </a:highlight>
+                <a:latin typeface="Modern No. 20" panose="02070704070505020303" pitchFamily="18" charset="0"/>
+              </a:rPr>
+              <a:t>Client-1 Terminal: </a:t>
+            </a:r>
+          </a:p>
+          <a:p>
+            <a:r>
+              <a:rPr lang="en-US" dirty="0">
+                <a:latin typeface="Modern No. 20" panose="02070704070505020303" pitchFamily="18" charset="0"/>
+              </a:rPr>
+              <a:t>$ telnet 127.0.0.1 6000</a:t>
+            </a:r>
+          </a:p>
+          <a:p>
+            <a:r>
+              <a:rPr lang="en-US" dirty="0">
+                <a:latin typeface="Modern No. 20" panose="02070704070505020303" pitchFamily="18" charset="0"/>
+              </a:rPr>
+              <a:t>Trying 127.0.0.1...</a:t>
+            </a:r>
+          </a:p>
+          <a:p>
+            <a:r>
+              <a:rPr lang="en-US" dirty="0">
+                <a:latin typeface="Modern No. 20" panose="02070704070505020303" pitchFamily="18" charset="0"/>
+              </a:rPr>
+              <a:t>Connected to 127.0.0.1.</a:t>
+            </a:r>
+          </a:p>
+          <a:p>
+            <a:r>
+              <a:rPr lang="en-US" dirty="0">
+                <a:latin typeface="Modern No. 20" panose="02070704070505020303" pitchFamily="18" charset="0"/>
+              </a:rPr>
+              <a:t>Escape character is '^]'.</a:t>
+            </a:r>
+          </a:p>
+          <a:p>
+            <a:r>
+              <a:rPr lang="en-US" dirty="0">
+                <a:latin typeface="Modern No. 20" panose="02070704070505020303" pitchFamily="18" charset="0"/>
+              </a:rPr>
+              <a:t>{"msgid":1, </a:t>
+            </a:r>
+            <a:r>
+              <a:rPr lang="en-US" dirty="0">
+                <a:highlight>
+                  <a:srgbClr val="FFFF00"/>
+                </a:highlight>
+                <a:latin typeface="Modern No. 20" panose="02070704070505020303" pitchFamily="18" charset="0"/>
+              </a:rPr>
+              <a:t>"id":3</a:t>
+            </a:r>
+            <a:r>
+              <a:rPr lang="en-US" dirty="0">
+                <a:latin typeface="Modern No. 20" panose="02070704070505020303" pitchFamily="18" charset="0"/>
+              </a:rPr>
+              <a:t>, "password":"123456"}</a:t>
+            </a:r>
+          </a:p>
+          <a:p>
+            <a:r>
+              <a:rPr lang="en-US" dirty="0">
+                <a:latin typeface="Modern No. 20" panose="02070704070505020303" pitchFamily="18" charset="0"/>
+              </a:rPr>
+              <a:t>{"errno":0,"id":3,"msgid":2,"name":"sfbu"}</a:t>
+            </a:r>
+          </a:p>
+          <a:p>
+            <a:r>
+              <a:rPr lang="en-US" dirty="0">
+                <a:latin typeface="Modern No. 20" panose="02070704070505020303" pitchFamily="18" charset="0"/>
+              </a:rPr>
+              <a:t>{"msgid":5, "id":3, "from":"</a:t>
+            </a:r>
+            <a:r>
+              <a:rPr lang="en-US" dirty="0" err="1">
+                <a:latin typeface="Modern No. 20" panose="02070704070505020303" pitchFamily="18" charset="0"/>
+              </a:rPr>
+              <a:t>sfbu</a:t>
+            </a:r>
+            <a:r>
+              <a:rPr lang="en-US" dirty="0">
+                <a:latin typeface="Modern No. 20" panose="02070704070505020303" pitchFamily="18" charset="0"/>
+              </a:rPr>
+              <a:t>", "to":4, "</a:t>
+            </a:r>
+            <a:r>
+              <a:rPr lang="en-US" dirty="0" err="1">
+                <a:latin typeface="Modern No. 20" panose="02070704070505020303" pitchFamily="18" charset="0"/>
+              </a:rPr>
+              <a:t>msg":"Good</a:t>
+            </a:r>
+            <a:r>
+              <a:rPr lang="en-US" dirty="0">
+                <a:latin typeface="Modern No. 20" panose="02070704070505020303" pitchFamily="18" charset="0"/>
+              </a:rPr>
+              <a:t> morning!"}</a:t>
+            </a:r>
+          </a:p>
+          <a:p>
+            <a:r>
+              <a:rPr lang="en-US" dirty="0">
+                <a:latin typeface="Modern No. 20" panose="02070704070505020303" pitchFamily="18" charset="0"/>
+              </a:rPr>
+              <a:t>{"from":"sjsu","id":4,"msg":"Woooowwww!","msgid":5,"to":3}</a:t>
+            </a:r>
+          </a:p>
+        </p:txBody>
+      </p:sp>
+      <p:sp>
+        <p:nvSpPr>
+          <p:cNvPr id="6" name="TextBox 5">
+            <a:extLst>
+              <a:ext uri="{FF2B5EF4-FFF2-40B4-BE49-F238E27FC236}">
+                <a16:creationId xmlns:a16="http://schemas.microsoft.com/office/drawing/2014/main" id="{A9FA5415-3FEB-A45A-607C-DDEFB0167569}"/>
+              </a:ext>
+            </a:extLst>
+          </p:cNvPr>
+          <p:cNvSpPr txBox="1"/>
+          <p:nvPr/>
+        </p:nvSpPr>
+        <p:spPr>
+          <a:xfrm>
+            <a:off x="729445" y="4040459"/>
+            <a:ext cx="6053834" cy="2616101"/>
+          </a:xfrm>
+          <a:prstGeom prst="rect">
+            <a:avLst/>
+          </a:prstGeom>
+          <a:noFill/>
+        </p:spPr>
+        <p:txBody>
+          <a:bodyPr wrap="square" rtlCol="0">
+            <a:spAutoFit/>
+          </a:bodyPr>
+          <a:lstStyle/>
+          <a:p>
+            <a:r>
+              <a:rPr lang="en-US" sz="2000" u="sng" dirty="0">
+                <a:highlight>
+                  <a:srgbClr val="00FFFF"/>
+                </a:highlight>
+                <a:latin typeface="Modern No. 20" panose="02070704070505020303" pitchFamily="18" charset="0"/>
+              </a:rPr>
+              <a:t>Client-2 Terminal: </a:t>
+            </a:r>
+          </a:p>
+          <a:p>
+            <a:r>
+              <a:rPr lang="en-US" dirty="0">
+                <a:latin typeface="Modern No. 20" panose="02070704070505020303" pitchFamily="18" charset="0"/>
+              </a:rPr>
+              <a:t>$ telnet 127.0.0.1 6000</a:t>
+            </a:r>
+          </a:p>
+          <a:p>
+            <a:r>
+              <a:rPr lang="en-US" dirty="0">
+                <a:latin typeface="Modern No. 20" panose="02070704070505020303" pitchFamily="18" charset="0"/>
+              </a:rPr>
+              <a:t>Trying 127.0.0.1...</a:t>
+            </a:r>
+          </a:p>
+          <a:p>
+            <a:r>
+              <a:rPr lang="en-US" dirty="0">
+                <a:latin typeface="Modern No. 20" panose="02070704070505020303" pitchFamily="18" charset="0"/>
+              </a:rPr>
+              <a:t>Connected to 127.0.0.1.</a:t>
+            </a:r>
+          </a:p>
+          <a:p>
+            <a:r>
+              <a:rPr lang="en-US" dirty="0">
+                <a:latin typeface="Modern No. 20" panose="02070704070505020303" pitchFamily="18" charset="0"/>
+              </a:rPr>
+              <a:t>Escape character is '^]'.</a:t>
+            </a:r>
+          </a:p>
+          <a:p>
+            <a:r>
+              <a:rPr lang="en-US" dirty="0">
+                <a:latin typeface="Modern No. 20" panose="02070704070505020303" pitchFamily="18" charset="0"/>
+              </a:rPr>
+              <a:t>{"msgid":1, "id":4, "password":"123456"}</a:t>
+            </a:r>
+          </a:p>
+          <a:p>
+            <a:r>
+              <a:rPr lang="en-US" dirty="0">
+                <a:latin typeface="Modern No. 20" panose="02070704070505020303" pitchFamily="18" charset="0"/>
+              </a:rPr>
+              <a:t>{"errno":0</a:t>
+            </a:r>
+            <a:r>
+              <a:rPr lang="en-US" dirty="0">
+                <a:highlight>
+                  <a:srgbClr val="FFFF00"/>
+                </a:highlight>
+                <a:latin typeface="Modern No. 20" panose="02070704070505020303" pitchFamily="18" charset="0"/>
+              </a:rPr>
+              <a:t>,"id":4</a:t>
+            </a:r>
+            <a:r>
+              <a:rPr lang="en-US" dirty="0">
+                <a:latin typeface="Modern No. 20" panose="02070704070505020303" pitchFamily="18" charset="0"/>
+              </a:rPr>
+              <a:t>,"msgid":2,"name":"sjsu"}</a:t>
+            </a:r>
+          </a:p>
+          <a:p>
+            <a:r>
+              <a:rPr lang="en-US" dirty="0">
+                <a:latin typeface="Modern No. 20" panose="02070704070505020303" pitchFamily="18" charset="0"/>
+              </a:rPr>
+              <a:t>{"from":"sfbu","id":3,"msg":"Good morning!","msgid":5,"to":4}</a:t>
+            </a:r>
+          </a:p>
+          <a:p>
+            <a:r>
+              <a:rPr lang="en-US" dirty="0">
+                <a:latin typeface="Modern No. 20" panose="02070704070505020303" pitchFamily="18" charset="0"/>
+              </a:rPr>
+              <a:t>{"msgid":5, "id":4, "from":"</a:t>
+            </a:r>
+            <a:r>
+              <a:rPr lang="en-US" dirty="0" err="1">
+                <a:latin typeface="Modern No. 20" panose="02070704070505020303" pitchFamily="18" charset="0"/>
+              </a:rPr>
+              <a:t>sjsu</a:t>
+            </a:r>
+            <a:r>
+              <a:rPr lang="en-US" dirty="0">
+                <a:latin typeface="Modern No. 20" panose="02070704070505020303" pitchFamily="18" charset="0"/>
+              </a:rPr>
+              <a:t>", "to":3, "msg":"</a:t>
+            </a:r>
+            <a:r>
+              <a:rPr lang="en-US" dirty="0" err="1">
+                <a:latin typeface="Modern No. 20" panose="02070704070505020303" pitchFamily="18" charset="0"/>
+              </a:rPr>
+              <a:t>Woooowwww</a:t>
+            </a:r>
+            <a:r>
+              <a:rPr lang="en-US" dirty="0">
+                <a:latin typeface="Modern No. 20" panose="02070704070505020303" pitchFamily="18" charset="0"/>
+              </a:rPr>
+              <a:t>!"}</a:t>
+            </a:r>
+          </a:p>
+        </p:txBody>
+      </p:sp>
+    </p:spTree>
+    <p:extLst>
+      <p:ext uri="{BB962C8B-B14F-4D97-AF65-F5344CB8AC3E}">
+        <p14:creationId xmlns:p14="http://schemas.microsoft.com/office/powerpoint/2010/main" val="2094135376"/>
+      </p:ext>
+    </p:extLst>
+  </p:cSld>
+  <p:clrMapOvr>
+    <a:masterClrMapping/>
+  </p:clrMapOvr>
+</p:sld>
+</file>
+
+<file path=ppt/slides/slide13.xml><?xml version="1.0" encoding="utf-8"?>
+<p:sld xmlns:a="http://schemas.openxmlformats.org/drawingml/2006/main" xmlns:r="http://schemas.openxmlformats.org/officeDocument/2006/relationships" xmlns:p="http://schemas.openxmlformats.org/presentationml/2006/main">
+  <p:cSld>
+    <p:spTree>
+      <p:nvGrpSpPr>
+        <p:cNvPr id="1" name=""/>
+        <p:cNvGrpSpPr/>
+        <p:nvPr/>
+      </p:nvGrpSpPr>
+      <p:grpSpPr>
+        <a:xfrm>
+          <a:off x="0" y="0"/>
+          <a:ext cx="0" cy="0"/>
+          <a:chOff x="0" y="0"/>
+          <a:chExt cx="0" cy="0"/>
+        </a:xfrm>
+      </p:grpSpPr>
+      <p:sp>
+        <p:nvSpPr>
+          <p:cNvPr id="2" name="Title 1">
+            <a:extLst>
+              <a:ext uri="{FF2B5EF4-FFF2-40B4-BE49-F238E27FC236}">
+                <a16:creationId xmlns:a16="http://schemas.microsoft.com/office/drawing/2014/main" id="{6666FEA5-D493-4CEF-885D-B8D89C739BE0}"/>
+              </a:ext>
+            </a:extLst>
+          </p:cNvPr>
+          <p:cNvSpPr>
+            <a:spLocks noGrp="1"/>
+          </p:cNvSpPr>
+          <p:nvPr>
+            <p:ph type="title"/>
+          </p:nvPr>
+        </p:nvSpPr>
         <p:spPr>
           <a:xfrm>
             <a:off x="620691" y="-28958"/>
@@ -7394,7 +7906,7 @@
 </p:sld>
 </file>
 
-<file path=ppt/slides/slide13.xml><?xml version="1.0" encoding="utf-8"?>
+<file path=ppt/slides/slide14.xml><?xml version="1.0" encoding="utf-8"?>
 <p:sld xmlns:a="http://schemas.openxmlformats.org/drawingml/2006/main" xmlns:r="http://schemas.openxmlformats.org/officeDocument/2006/relationships" xmlns:p="http://schemas.openxmlformats.org/presentationml/2006/main">
   <p:cSld>
     <p:spTree>
@@ -7955,7 +8467,7 @@
 </p:sld>
 </file>
 
-<file path=ppt/slides/slide14.xml><?xml version="1.0" encoding="utf-8"?>
+<file path=ppt/slides/slide15.xml><?xml version="1.0" encoding="utf-8"?>
 <p:sld xmlns:a="http://schemas.openxmlformats.org/drawingml/2006/main" xmlns:r="http://schemas.openxmlformats.org/officeDocument/2006/relationships" xmlns:p="http://schemas.openxmlformats.org/presentationml/2006/main">
   <p:cSld>
     <p:spTree>
@@ -8186,7 +8698,125 @@
 </p:sld>
 </file>
 
-<file path=ppt/slides/slide15.xml><?xml version="1.0" encoding="utf-8"?>
+<file path=ppt/slides/slide16.xml><?xml version="1.0" encoding="utf-8"?>
+<p:sld xmlns:a="http://schemas.openxmlformats.org/drawingml/2006/main" xmlns:r="http://schemas.openxmlformats.org/officeDocument/2006/relationships" xmlns:p="http://schemas.openxmlformats.org/presentationml/2006/main">
+  <p:cSld>
+    <p:spTree>
+      <p:nvGrpSpPr>
+        <p:cNvPr id="1" name=""/>
+        <p:cNvGrpSpPr/>
+        <p:nvPr/>
+      </p:nvGrpSpPr>
+      <p:grpSpPr>
+        <a:xfrm>
+          <a:off x="0" y="0"/>
+          <a:ext cx="0" cy="0"/>
+          <a:chOff x="0" y="0"/>
+          <a:chExt cx="0" cy="0"/>
+        </a:xfrm>
+      </p:grpSpPr>
+      <p:sp>
+        <p:nvSpPr>
+          <p:cNvPr id="2" name="Title 1">
+            <a:extLst>
+              <a:ext uri="{FF2B5EF4-FFF2-40B4-BE49-F238E27FC236}">
+                <a16:creationId xmlns:a16="http://schemas.microsoft.com/office/drawing/2014/main" id="{2F646621-D7CD-183D-BFB9-0689736AF3F1}"/>
+              </a:ext>
+            </a:extLst>
+          </p:cNvPr>
+          <p:cNvSpPr>
+            <a:spLocks noGrp="1"/>
+          </p:cNvSpPr>
+          <p:nvPr>
+            <p:ph type="title"/>
+          </p:nvPr>
+        </p:nvSpPr>
+        <p:spPr/>
+        <p:txBody>
+          <a:bodyPr/>
+          <a:lstStyle/>
+          <a:p>
+            <a:r>
+              <a:rPr lang="en-US" dirty="0">
+                <a:latin typeface="Modern No. 20" panose="02070704070505020303" pitchFamily="18" charset="0"/>
+              </a:rPr>
+              <a:t>Reference</a:t>
+            </a:r>
+          </a:p>
+        </p:txBody>
+      </p:sp>
+      <p:sp>
+        <p:nvSpPr>
+          <p:cNvPr id="10" name="TextBox 9">
+            <a:extLst>
+              <a:ext uri="{FF2B5EF4-FFF2-40B4-BE49-F238E27FC236}">
+                <a16:creationId xmlns:a16="http://schemas.microsoft.com/office/drawing/2014/main" id="{94C5F5EE-C493-1270-36C0-9E1306C187E0}"/>
+              </a:ext>
+            </a:extLst>
+          </p:cNvPr>
+          <p:cNvSpPr txBox="1"/>
+          <p:nvPr/>
+        </p:nvSpPr>
+        <p:spPr>
+          <a:xfrm>
+            <a:off x="940293" y="1784546"/>
+            <a:ext cx="9419948" cy="1569660"/>
+          </a:xfrm>
+          <a:prstGeom prst="rect">
+            <a:avLst/>
+          </a:prstGeom>
+          <a:noFill/>
+        </p:spPr>
+        <p:txBody>
+          <a:bodyPr wrap="square" rtlCol="0">
+            <a:spAutoFit/>
+          </a:bodyPr>
+          <a:lstStyle/>
+          <a:p>
+            <a:pPr marL="457200" indent="-457200">
+              <a:buFont typeface="Wingdings" panose="05000000000000000000" pitchFamily="2" charset="2"/>
+              <a:buChar char="q"/>
+            </a:pPr>
+            <a:r>
+              <a:rPr lang="en-US" sz="2400" dirty="0">
+                <a:latin typeface="Modern No. 20" panose="02070704070505020303" pitchFamily="18" charset="0"/>
+                <a:hlinkClick r:id="rId2"/>
+              </a:rPr>
+              <a:t>https://www.bilibili.com/video/BV1yM4m127ZF?p=1&amp;vd_source=3353f83539e46042d8cf76efb177a8e4</a:t>
+            </a:r>
+            <a:br>
+              <a:rPr lang="en-US" sz="2400" dirty="0">
+                <a:latin typeface="Modern No. 20" panose="02070704070505020303" pitchFamily="18" charset="0"/>
+              </a:rPr>
+            </a:br>
+            <a:endParaRPr lang="en-US" sz="2400" dirty="0">
+              <a:latin typeface="Modern No. 20" panose="02070704070505020303" pitchFamily="18" charset="0"/>
+            </a:endParaRPr>
+          </a:p>
+          <a:p>
+            <a:r>
+              <a:rPr lang="en-US" altLang="zh-CN" sz="2400" dirty="0">
+                <a:latin typeface="Modern No. 20" panose="02070704070505020303" pitchFamily="18" charset="0"/>
+              </a:rPr>
+              <a:t>      Accessed: Jul 15, 2024</a:t>
+            </a:r>
+          </a:p>
+        </p:txBody>
+      </p:sp>
+    </p:spTree>
+    <p:extLst>
+      <p:ext uri="{BB962C8B-B14F-4D97-AF65-F5344CB8AC3E}">
+        <p14:creationId xmlns:p14="http://schemas.microsoft.com/office/powerpoint/2010/main" val="923297404"/>
+      </p:ext>
+    </p:extLst>
+  </p:cSld>
+  <p:clrMapOvr>
+    <a:masterClrMapping/>
+  </p:clrMapOvr>
+</p:sld>
+</file>
+
+<file path=ppt/slides/slide17.xml><?xml version="1.0" encoding="utf-8"?>
 <p:sld xmlns:a="http://schemas.openxmlformats.org/drawingml/2006/main" xmlns:r="http://schemas.openxmlformats.org/officeDocument/2006/relationships" xmlns:p="http://schemas.openxmlformats.org/presentationml/2006/main">
   <p:cSld>
     <p:spTree>
@@ -8380,6 +9010,17 @@
           </a:p>
           <a:p>
             <a:r>
+              <a:rPr lang="en-US" altLang="zh-CN" dirty="0" err="1">
+                <a:latin typeface="Modern No. 20" panose="02070704070505020303" pitchFamily="18" charset="0"/>
+              </a:rPr>
+              <a:t>cmake</a:t>
+            </a:r>
+            <a:endParaRPr lang="en-US" altLang="zh-CN" dirty="0">
+              <a:latin typeface="Modern No. 20" panose="02070704070505020303" pitchFamily="18" charset="0"/>
+            </a:endParaRPr>
+          </a:p>
+          <a:p>
+            <a:r>
               <a:rPr lang="en-US" dirty="0">
                 <a:latin typeface="Modern No. 20" panose="02070704070505020303" pitchFamily="18" charset="0"/>
               </a:rPr>
@@ -8404,7 +9045,19 @@
               <a:rPr lang="en-US" altLang="zh-CN" dirty="0">
                 <a:latin typeface="Modern No. 20" panose="02070704070505020303" pitchFamily="18" charset="0"/>
               </a:rPr>
-              <a:t>, </a:t>
+              <a:t> (2.0.2), </a:t>
+            </a:r>
+            <a:r>
+              <a:rPr lang="en-US" dirty="0" err="1">
+                <a:latin typeface="Modern No. 20" panose="02070704070505020303" pitchFamily="18" charset="0"/>
+              </a:rPr>
+              <a:t>nlohmann</a:t>
+            </a:r>
+            <a:r>
+              <a:rPr lang="en-US" dirty="0">
+                <a:latin typeface="Modern No. 20" panose="02070704070505020303" pitchFamily="18" charset="0"/>
+              </a:rPr>
+              <a:t>/</a:t>
             </a:r>
             <a:r>
               <a:rPr lang="en-US" altLang="zh-CN" dirty="0" err="1">
@@ -8416,7 +9069,7 @@
               <a:rPr lang="en-US" altLang="zh-CN" dirty="0">
                 <a:latin typeface="Modern No. 20" panose="02070704070505020303" pitchFamily="18" charset="0"/>
               </a:rPr>
-              <a:t>, boost</a:t>
+              <a:t>(3.7.3), boost(1.85.0)</a:t>
             </a:r>
             <a:endParaRPr lang="en-US" dirty="0">
               <a:latin typeface="Modern No. 20" panose="02070704070505020303" pitchFamily="18" charset="0"/>
@@ -8764,6 +9417,763 @@
 </file>
 
 <file path=ppt/slides/slide4.xml><?xml version="1.0" encoding="utf-8"?>
+<p:sld xmlns:a="http://schemas.openxmlformats.org/drawingml/2006/main" xmlns:r="http://schemas.openxmlformats.org/officeDocument/2006/relationships" xmlns:p="http://schemas.openxmlformats.org/presentationml/2006/main">
+  <p:cSld>
+    <p:spTree>
+      <p:nvGrpSpPr>
+        <p:cNvPr id="1" name=""/>
+        <p:cNvGrpSpPr/>
+        <p:nvPr/>
+      </p:nvGrpSpPr>
+      <p:grpSpPr>
+        <a:xfrm>
+          <a:off x="0" y="0"/>
+          <a:ext cx="0" cy="0"/>
+          <a:chOff x="0" y="0"/>
+          <a:chExt cx="0" cy="0"/>
+        </a:xfrm>
+      </p:grpSpPr>
+      <p:sp>
+        <p:nvSpPr>
+          <p:cNvPr id="2" name="Title 1">
+            <a:extLst>
+              <a:ext uri="{FF2B5EF4-FFF2-40B4-BE49-F238E27FC236}">
+                <a16:creationId xmlns:a16="http://schemas.microsoft.com/office/drawing/2014/main" id="{8A41E822-2F6C-8DF8-1EBF-2D6CC00464D8}"/>
+              </a:ext>
+            </a:extLst>
+          </p:cNvPr>
+          <p:cNvSpPr>
+            <a:spLocks noGrp="1"/>
+          </p:cNvSpPr>
+          <p:nvPr>
+            <p:ph type="title"/>
+          </p:nvPr>
+        </p:nvSpPr>
+        <p:spPr/>
+        <p:txBody>
+          <a:bodyPr/>
+          <a:lstStyle/>
+          <a:p>
+            <a:r>
+              <a:rPr lang="en-US" dirty="0">
+                <a:latin typeface="Modern No. 20" panose="02070704070505020303" pitchFamily="18" charset="0"/>
+              </a:rPr>
+              <a:t>Project Structure</a:t>
+            </a:r>
+          </a:p>
+        </p:txBody>
+      </p:sp>
+      <p:pic>
+        <p:nvPicPr>
+          <p:cNvPr id="8" name="Picture 7">
+            <a:extLst>
+              <a:ext uri="{FF2B5EF4-FFF2-40B4-BE49-F238E27FC236}">
+                <a16:creationId xmlns:a16="http://schemas.microsoft.com/office/drawing/2014/main" id="{1A2305DF-8895-243E-EFBB-9F12383A059A}"/>
+              </a:ext>
+            </a:extLst>
+          </p:cNvPr>
+          <p:cNvPicPr>
+            <a:picLocks noChangeAspect="1"/>
+          </p:cNvPicPr>
+          <p:nvPr/>
+        </p:nvPicPr>
+        <p:blipFill>
+          <a:blip r:embed="rId2"/>
+          <a:stretch>
+            <a:fillRect/>
+          </a:stretch>
+        </p:blipFill>
+        <p:spPr>
+          <a:xfrm>
+            <a:off x="7803702" y="225315"/>
+            <a:ext cx="5000625" cy="6105525"/>
+          </a:xfrm>
+          <a:prstGeom prst="rect">
+            <a:avLst/>
+          </a:prstGeom>
+        </p:spPr>
+      </p:pic>
+      <p:sp>
+        <p:nvSpPr>
+          <p:cNvPr id="9" name="TextBox 8">
+            <a:extLst>
+              <a:ext uri="{FF2B5EF4-FFF2-40B4-BE49-F238E27FC236}">
+                <a16:creationId xmlns:a16="http://schemas.microsoft.com/office/drawing/2014/main" id="{1B8D85EA-801D-DCEC-38F4-AAD91D69E945}"/>
+              </a:ext>
+            </a:extLst>
+          </p:cNvPr>
+          <p:cNvSpPr txBox="1"/>
+          <p:nvPr/>
+        </p:nvSpPr>
+        <p:spPr>
+          <a:xfrm>
+            <a:off x="719091" y="1690688"/>
+            <a:ext cx="6729791" cy="3970318"/>
+          </a:xfrm>
+          <a:prstGeom prst="rect">
+            <a:avLst/>
+          </a:prstGeom>
+          <a:noFill/>
+          <a:ln w="9525">
+            <a:solidFill>
+              <a:schemeClr val="tx1"/>
+            </a:solidFill>
+          </a:ln>
+        </p:spPr>
+        <p:txBody>
+          <a:bodyPr wrap="none" rtlCol="0">
+            <a:spAutoFit/>
+          </a:bodyPr>
+          <a:lstStyle/>
+          <a:p>
+            <a:r>
+              <a:rPr lang="en-US" b="0" dirty="0" err="1">
+                <a:solidFill>
+                  <a:srgbClr val="0F4A85"/>
+                </a:solidFill>
+                <a:effectLst/>
+                <a:highlight>
+                  <a:srgbClr val="FFFFFF"/>
+                </a:highlight>
+                <a:latin typeface="Cambria" panose="02040503050406030204" pitchFamily="18" charset="0"/>
+                <a:ea typeface="Cambria" panose="02040503050406030204" pitchFamily="18" charset="0"/>
+              </a:rPr>
+              <a:t>cmake_minimum_required</a:t>
+            </a:r>
+            <a:r>
+              <a:rPr lang="en-US" b="0" dirty="0">
+                <a:solidFill>
+                  <a:srgbClr val="292929"/>
+                </a:solidFill>
+                <a:effectLst/>
+                <a:highlight>
+                  <a:srgbClr val="FFFFFF"/>
+                </a:highlight>
+                <a:latin typeface="Cambria" panose="02040503050406030204" pitchFamily="18" charset="0"/>
+                <a:ea typeface="Cambria" panose="02040503050406030204" pitchFamily="18" charset="0"/>
+              </a:rPr>
+              <a:t>(VERSION 3.0)</a:t>
+            </a:r>
+          </a:p>
+          <a:p>
+            <a:r>
+              <a:rPr lang="en-US" b="0" dirty="0">
+                <a:solidFill>
+                  <a:srgbClr val="0F4A85"/>
+                </a:solidFill>
+                <a:effectLst/>
+                <a:highlight>
+                  <a:srgbClr val="FFFFFF"/>
+                </a:highlight>
+                <a:latin typeface="Cambria" panose="02040503050406030204" pitchFamily="18" charset="0"/>
+                <a:ea typeface="Cambria" panose="02040503050406030204" pitchFamily="18" charset="0"/>
+              </a:rPr>
+              <a:t>project</a:t>
+            </a:r>
+            <a:r>
+              <a:rPr lang="en-US" b="0" dirty="0">
+                <a:solidFill>
+                  <a:srgbClr val="292929"/>
+                </a:solidFill>
+                <a:effectLst/>
+                <a:highlight>
+                  <a:srgbClr val="FFFFFF"/>
+                </a:highlight>
+                <a:latin typeface="Cambria" panose="02040503050406030204" pitchFamily="18" charset="0"/>
+                <a:ea typeface="Cambria" panose="02040503050406030204" pitchFamily="18" charset="0"/>
+              </a:rPr>
+              <a:t>(chat)</a:t>
+            </a:r>
+          </a:p>
+          <a:p>
+            <a:br>
+              <a:rPr lang="en-US" b="0" dirty="0">
+                <a:solidFill>
+                  <a:srgbClr val="292929"/>
+                </a:solidFill>
+                <a:effectLst/>
+                <a:highlight>
+                  <a:srgbClr val="FFFFFF"/>
+                </a:highlight>
+                <a:latin typeface="Cambria" panose="02040503050406030204" pitchFamily="18" charset="0"/>
+                <a:ea typeface="Cambria" panose="02040503050406030204" pitchFamily="18" charset="0"/>
+              </a:rPr>
+            </a:br>
+            <a:r>
+              <a:rPr lang="en-US" b="0" dirty="0">
+                <a:solidFill>
+                  <a:srgbClr val="0F4A85"/>
+                </a:solidFill>
+                <a:effectLst/>
+                <a:highlight>
+                  <a:srgbClr val="FFFFFF"/>
+                </a:highlight>
+                <a:latin typeface="Cambria" panose="02040503050406030204" pitchFamily="18" charset="0"/>
+                <a:ea typeface="Cambria" panose="02040503050406030204" pitchFamily="18" charset="0"/>
+              </a:rPr>
+              <a:t>set</a:t>
+            </a:r>
+            <a:r>
+              <a:rPr lang="en-US" b="0" dirty="0">
+                <a:solidFill>
+                  <a:srgbClr val="292929"/>
+                </a:solidFill>
+                <a:effectLst/>
+                <a:highlight>
+                  <a:srgbClr val="FFFFFF"/>
+                </a:highlight>
+                <a:latin typeface="Cambria" panose="02040503050406030204" pitchFamily="18" charset="0"/>
+                <a:ea typeface="Cambria" panose="02040503050406030204" pitchFamily="18" charset="0"/>
+              </a:rPr>
+              <a:t>(</a:t>
+            </a:r>
+            <a:r>
+              <a:rPr lang="en-US" b="0" dirty="0">
+                <a:solidFill>
+                  <a:srgbClr val="001080"/>
+                </a:solidFill>
+                <a:effectLst/>
+                <a:highlight>
+                  <a:srgbClr val="FFFFFF"/>
+                </a:highlight>
+                <a:latin typeface="Cambria" panose="02040503050406030204" pitchFamily="18" charset="0"/>
+                <a:ea typeface="Cambria" panose="02040503050406030204" pitchFamily="18" charset="0"/>
+              </a:rPr>
+              <a:t>CMAKE_CXX_FLAGS</a:t>
+            </a:r>
+            <a:r>
+              <a:rPr lang="en-US" b="0" dirty="0">
+                <a:solidFill>
+                  <a:srgbClr val="292929"/>
+                </a:solidFill>
+                <a:effectLst/>
+                <a:highlight>
+                  <a:srgbClr val="FFFFFF"/>
+                </a:highlight>
+                <a:latin typeface="Cambria" panose="02040503050406030204" pitchFamily="18" charset="0"/>
+                <a:ea typeface="Cambria" panose="02040503050406030204" pitchFamily="18" charset="0"/>
+              </a:rPr>
+              <a:t> </a:t>
+            </a:r>
+            <a:r>
+              <a:rPr lang="en-US" b="0" dirty="0">
+                <a:solidFill>
+                  <a:srgbClr val="0F4A85"/>
+                </a:solidFill>
+                <a:effectLst/>
+                <a:highlight>
+                  <a:srgbClr val="FFFFFF"/>
+                </a:highlight>
+                <a:latin typeface="Cambria" panose="02040503050406030204" pitchFamily="18" charset="0"/>
+                <a:ea typeface="Cambria" panose="02040503050406030204" pitchFamily="18" charset="0"/>
+              </a:rPr>
+              <a:t>"${CMAKE_CXX_FLAGS} -g"</a:t>
+            </a:r>
+            <a:r>
+              <a:rPr lang="en-US" b="0" dirty="0">
+                <a:solidFill>
+                  <a:srgbClr val="292929"/>
+                </a:solidFill>
+                <a:effectLst/>
+                <a:highlight>
+                  <a:srgbClr val="FFFFFF"/>
+                </a:highlight>
+                <a:latin typeface="Cambria" panose="02040503050406030204" pitchFamily="18" charset="0"/>
+                <a:ea typeface="Cambria" panose="02040503050406030204" pitchFamily="18" charset="0"/>
+              </a:rPr>
+              <a:t>)</a:t>
+            </a:r>
+          </a:p>
+          <a:p>
+            <a:br>
+              <a:rPr lang="en-US" b="0" dirty="0">
+                <a:solidFill>
+                  <a:srgbClr val="292929"/>
+                </a:solidFill>
+                <a:effectLst/>
+                <a:highlight>
+                  <a:srgbClr val="FFFFFF"/>
+                </a:highlight>
+                <a:latin typeface="Cambria" panose="02040503050406030204" pitchFamily="18" charset="0"/>
+                <a:ea typeface="Cambria" panose="02040503050406030204" pitchFamily="18" charset="0"/>
+              </a:rPr>
+            </a:br>
+            <a:r>
+              <a:rPr lang="en-US" b="0" dirty="0">
+                <a:solidFill>
+                  <a:srgbClr val="0F4A85"/>
+                </a:solidFill>
+                <a:effectLst/>
+                <a:highlight>
+                  <a:srgbClr val="FFFFFF"/>
+                </a:highlight>
+                <a:latin typeface="Cambria" panose="02040503050406030204" pitchFamily="18" charset="0"/>
+                <a:ea typeface="Cambria" panose="02040503050406030204" pitchFamily="18" charset="0"/>
+              </a:rPr>
+              <a:t>set</a:t>
+            </a:r>
+            <a:r>
+              <a:rPr lang="en-US" b="0" dirty="0">
+                <a:solidFill>
+                  <a:srgbClr val="292929"/>
+                </a:solidFill>
+                <a:effectLst/>
+                <a:highlight>
+                  <a:srgbClr val="FFFFFF"/>
+                </a:highlight>
+                <a:latin typeface="Cambria" panose="02040503050406030204" pitchFamily="18" charset="0"/>
+                <a:ea typeface="Cambria" panose="02040503050406030204" pitchFamily="18" charset="0"/>
+              </a:rPr>
+              <a:t>(</a:t>
+            </a:r>
+            <a:r>
+              <a:rPr lang="en-US" b="0" dirty="0">
+                <a:solidFill>
+                  <a:srgbClr val="001080"/>
+                </a:solidFill>
+                <a:effectLst/>
+                <a:highlight>
+                  <a:srgbClr val="FFFFFF"/>
+                </a:highlight>
+                <a:latin typeface="Cambria" panose="02040503050406030204" pitchFamily="18" charset="0"/>
+                <a:ea typeface="Cambria" panose="02040503050406030204" pitchFamily="18" charset="0"/>
+              </a:rPr>
+              <a:t>EXECUTABLE_OUTPUT_PATH</a:t>
+            </a:r>
+            <a:r>
+              <a:rPr lang="en-US" b="0" dirty="0">
+                <a:solidFill>
+                  <a:srgbClr val="292929"/>
+                </a:solidFill>
+                <a:effectLst/>
+                <a:highlight>
+                  <a:srgbClr val="FFFFFF"/>
+                </a:highlight>
+                <a:latin typeface="Cambria" panose="02040503050406030204" pitchFamily="18" charset="0"/>
+                <a:ea typeface="Cambria" panose="02040503050406030204" pitchFamily="18" charset="0"/>
+              </a:rPr>
+              <a:t> </a:t>
+            </a:r>
+            <a:r>
+              <a:rPr lang="en-US" b="0" dirty="0">
+                <a:solidFill>
+                  <a:srgbClr val="0F4A85"/>
+                </a:solidFill>
+                <a:effectLst/>
+                <a:highlight>
+                  <a:srgbClr val="FFFFFF"/>
+                </a:highlight>
+                <a:latin typeface="Cambria" panose="02040503050406030204" pitchFamily="18" charset="0"/>
+                <a:ea typeface="Cambria" panose="02040503050406030204" pitchFamily="18" charset="0"/>
+              </a:rPr>
+              <a:t>${PROJECT_SOURCE_DIR}</a:t>
+            </a:r>
+            <a:r>
+              <a:rPr lang="en-US" b="0" dirty="0">
+                <a:solidFill>
+                  <a:srgbClr val="292929"/>
+                </a:solidFill>
+                <a:effectLst/>
+                <a:highlight>
+                  <a:srgbClr val="FFFFFF"/>
+                </a:highlight>
+                <a:latin typeface="Cambria" panose="02040503050406030204" pitchFamily="18" charset="0"/>
+                <a:ea typeface="Cambria" panose="02040503050406030204" pitchFamily="18" charset="0"/>
+              </a:rPr>
+              <a:t>/bin)</a:t>
+            </a:r>
+          </a:p>
+          <a:p>
+            <a:br>
+              <a:rPr lang="en-US" b="0" dirty="0">
+                <a:solidFill>
+                  <a:srgbClr val="292929"/>
+                </a:solidFill>
+                <a:effectLst/>
+                <a:highlight>
+                  <a:srgbClr val="FFFFFF"/>
+                </a:highlight>
+                <a:latin typeface="Cambria" panose="02040503050406030204" pitchFamily="18" charset="0"/>
+                <a:ea typeface="Cambria" panose="02040503050406030204" pitchFamily="18" charset="0"/>
+              </a:rPr>
+            </a:br>
+            <a:r>
+              <a:rPr lang="en-US" b="0" dirty="0" err="1">
+                <a:solidFill>
+                  <a:srgbClr val="0F4A85"/>
+                </a:solidFill>
+                <a:effectLst/>
+                <a:highlight>
+                  <a:srgbClr val="FFFFFF"/>
+                </a:highlight>
+                <a:latin typeface="Cambria" panose="02040503050406030204" pitchFamily="18" charset="0"/>
+                <a:ea typeface="Cambria" panose="02040503050406030204" pitchFamily="18" charset="0"/>
+              </a:rPr>
+              <a:t>include_directories</a:t>
+            </a:r>
+            <a:r>
+              <a:rPr lang="en-US" b="0" dirty="0">
+                <a:solidFill>
+                  <a:srgbClr val="292929"/>
+                </a:solidFill>
+                <a:effectLst/>
+                <a:highlight>
+                  <a:srgbClr val="FFFFFF"/>
+                </a:highlight>
+                <a:latin typeface="Cambria" panose="02040503050406030204" pitchFamily="18" charset="0"/>
+                <a:ea typeface="Cambria" panose="02040503050406030204" pitchFamily="18" charset="0"/>
+              </a:rPr>
+              <a:t>(</a:t>
+            </a:r>
+            <a:r>
+              <a:rPr lang="en-US" b="0" dirty="0">
+                <a:solidFill>
+                  <a:srgbClr val="0F4A85"/>
+                </a:solidFill>
+                <a:effectLst/>
+                <a:highlight>
+                  <a:srgbClr val="FFFFFF"/>
+                </a:highlight>
+                <a:latin typeface="Cambria" panose="02040503050406030204" pitchFamily="18" charset="0"/>
+                <a:ea typeface="Cambria" panose="02040503050406030204" pitchFamily="18" charset="0"/>
+              </a:rPr>
+              <a:t>${PROJECT_SOURCE_DIR}</a:t>
+            </a:r>
+            <a:r>
+              <a:rPr lang="en-US" b="0" dirty="0">
+                <a:solidFill>
+                  <a:srgbClr val="292929"/>
+                </a:solidFill>
+                <a:effectLst/>
+                <a:highlight>
+                  <a:srgbClr val="FFFFFF"/>
+                </a:highlight>
+                <a:latin typeface="Cambria" panose="02040503050406030204" pitchFamily="18" charset="0"/>
+                <a:ea typeface="Cambria" panose="02040503050406030204" pitchFamily="18" charset="0"/>
+              </a:rPr>
+              <a:t>/include)</a:t>
+            </a:r>
+          </a:p>
+          <a:p>
+            <a:r>
+              <a:rPr lang="en-US" b="0" dirty="0" err="1">
+                <a:solidFill>
+                  <a:srgbClr val="0F4A85"/>
+                </a:solidFill>
+                <a:effectLst/>
+                <a:highlight>
+                  <a:srgbClr val="FFFFFF"/>
+                </a:highlight>
+                <a:latin typeface="Cambria" panose="02040503050406030204" pitchFamily="18" charset="0"/>
+                <a:ea typeface="Cambria" panose="02040503050406030204" pitchFamily="18" charset="0"/>
+              </a:rPr>
+              <a:t>include_directories</a:t>
+            </a:r>
+            <a:r>
+              <a:rPr lang="en-US" b="0" dirty="0">
+                <a:solidFill>
+                  <a:srgbClr val="292929"/>
+                </a:solidFill>
+                <a:effectLst/>
+                <a:highlight>
+                  <a:srgbClr val="FFFFFF"/>
+                </a:highlight>
+                <a:latin typeface="Cambria" panose="02040503050406030204" pitchFamily="18" charset="0"/>
+                <a:ea typeface="Cambria" panose="02040503050406030204" pitchFamily="18" charset="0"/>
+              </a:rPr>
+              <a:t>(</a:t>
+            </a:r>
+            <a:r>
+              <a:rPr lang="en-US" b="0" dirty="0">
+                <a:solidFill>
+                  <a:srgbClr val="0F4A85"/>
+                </a:solidFill>
+                <a:effectLst/>
+                <a:highlight>
+                  <a:srgbClr val="FFFFFF"/>
+                </a:highlight>
+                <a:latin typeface="Cambria" panose="02040503050406030204" pitchFamily="18" charset="0"/>
+                <a:ea typeface="Cambria" panose="02040503050406030204" pitchFamily="18" charset="0"/>
+              </a:rPr>
+              <a:t>${PROJECT_SOURCE_DIR}</a:t>
+            </a:r>
+            <a:r>
+              <a:rPr lang="en-US" b="0" dirty="0">
+                <a:solidFill>
+                  <a:srgbClr val="292929"/>
+                </a:solidFill>
+                <a:effectLst/>
+                <a:highlight>
+                  <a:srgbClr val="FFFFFF"/>
+                </a:highlight>
+                <a:latin typeface="Cambria" panose="02040503050406030204" pitchFamily="18" charset="0"/>
+                <a:ea typeface="Cambria" panose="02040503050406030204" pitchFamily="18" charset="0"/>
+              </a:rPr>
+              <a:t>/include/server)</a:t>
+            </a:r>
+          </a:p>
+          <a:p>
+            <a:r>
+              <a:rPr lang="en-US" b="0" dirty="0" err="1">
+                <a:solidFill>
+                  <a:srgbClr val="0F4A85"/>
+                </a:solidFill>
+                <a:effectLst/>
+                <a:highlight>
+                  <a:srgbClr val="FFFFFF"/>
+                </a:highlight>
+                <a:latin typeface="Cambria" panose="02040503050406030204" pitchFamily="18" charset="0"/>
+                <a:ea typeface="Cambria" panose="02040503050406030204" pitchFamily="18" charset="0"/>
+              </a:rPr>
+              <a:t>include_directories</a:t>
+            </a:r>
+            <a:r>
+              <a:rPr lang="en-US" b="0" dirty="0">
+                <a:solidFill>
+                  <a:srgbClr val="292929"/>
+                </a:solidFill>
+                <a:effectLst/>
+                <a:highlight>
+                  <a:srgbClr val="FFFFFF"/>
+                </a:highlight>
+                <a:latin typeface="Cambria" panose="02040503050406030204" pitchFamily="18" charset="0"/>
+                <a:ea typeface="Cambria" panose="02040503050406030204" pitchFamily="18" charset="0"/>
+              </a:rPr>
+              <a:t>(</a:t>
+            </a:r>
+            <a:r>
+              <a:rPr lang="en-US" b="0" dirty="0">
+                <a:solidFill>
+                  <a:srgbClr val="0F4A85"/>
+                </a:solidFill>
+                <a:effectLst/>
+                <a:highlight>
+                  <a:srgbClr val="FFFFFF"/>
+                </a:highlight>
+                <a:latin typeface="Cambria" panose="02040503050406030204" pitchFamily="18" charset="0"/>
+                <a:ea typeface="Cambria" panose="02040503050406030204" pitchFamily="18" charset="0"/>
+              </a:rPr>
+              <a:t>${PROJECT_SOURCE_DIR}</a:t>
+            </a:r>
+            <a:r>
+              <a:rPr lang="en-US" b="0" dirty="0">
+                <a:solidFill>
+                  <a:srgbClr val="292929"/>
+                </a:solidFill>
+                <a:effectLst/>
+                <a:highlight>
+                  <a:srgbClr val="FFFFFF"/>
+                </a:highlight>
+                <a:latin typeface="Cambria" panose="02040503050406030204" pitchFamily="18" charset="0"/>
+                <a:ea typeface="Cambria" panose="02040503050406030204" pitchFamily="18" charset="0"/>
+              </a:rPr>
+              <a:t>/include/server/</a:t>
+            </a:r>
+            <a:r>
+              <a:rPr lang="en-US" b="0" dirty="0" err="1">
+                <a:solidFill>
+                  <a:srgbClr val="292929"/>
+                </a:solidFill>
+                <a:effectLst/>
+                <a:highlight>
+                  <a:srgbClr val="FFFFFF"/>
+                </a:highlight>
+                <a:latin typeface="Cambria" panose="02040503050406030204" pitchFamily="18" charset="0"/>
+                <a:ea typeface="Cambria" panose="02040503050406030204" pitchFamily="18" charset="0"/>
+              </a:rPr>
+              <a:t>db</a:t>
+            </a:r>
+            <a:r>
+              <a:rPr lang="en-US" b="0" dirty="0">
+                <a:solidFill>
+                  <a:srgbClr val="292929"/>
+                </a:solidFill>
+                <a:effectLst/>
+                <a:highlight>
+                  <a:srgbClr val="FFFFFF"/>
+                </a:highlight>
+                <a:latin typeface="Cambria" panose="02040503050406030204" pitchFamily="18" charset="0"/>
+                <a:ea typeface="Cambria" panose="02040503050406030204" pitchFamily="18" charset="0"/>
+              </a:rPr>
+              <a:t>)</a:t>
+            </a:r>
+          </a:p>
+          <a:p>
+            <a:r>
+              <a:rPr lang="en-US" b="0" dirty="0" err="1">
+                <a:solidFill>
+                  <a:srgbClr val="0F4A85"/>
+                </a:solidFill>
+                <a:effectLst/>
+                <a:highlight>
+                  <a:srgbClr val="FFFFFF"/>
+                </a:highlight>
+                <a:latin typeface="Cambria" panose="02040503050406030204" pitchFamily="18" charset="0"/>
+                <a:ea typeface="Cambria" panose="02040503050406030204" pitchFamily="18" charset="0"/>
+              </a:rPr>
+              <a:t>include_directories</a:t>
+            </a:r>
+            <a:r>
+              <a:rPr lang="en-US" b="0" dirty="0">
+                <a:solidFill>
+                  <a:srgbClr val="292929"/>
+                </a:solidFill>
+                <a:effectLst/>
+                <a:highlight>
+                  <a:srgbClr val="FFFFFF"/>
+                </a:highlight>
+                <a:latin typeface="Cambria" panose="02040503050406030204" pitchFamily="18" charset="0"/>
+                <a:ea typeface="Cambria" panose="02040503050406030204" pitchFamily="18" charset="0"/>
+              </a:rPr>
+              <a:t>(</a:t>
+            </a:r>
+            <a:r>
+              <a:rPr lang="en-US" b="0" dirty="0">
+                <a:solidFill>
+                  <a:srgbClr val="0F4A85"/>
+                </a:solidFill>
+                <a:effectLst/>
+                <a:highlight>
+                  <a:srgbClr val="FFFFFF"/>
+                </a:highlight>
+                <a:latin typeface="Cambria" panose="02040503050406030204" pitchFamily="18" charset="0"/>
+                <a:ea typeface="Cambria" panose="02040503050406030204" pitchFamily="18" charset="0"/>
+              </a:rPr>
+              <a:t>${PROJECT_SOURCE_DIR}</a:t>
+            </a:r>
+            <a:r>
+              <a:rPr lang="en-US" b="0" dirty="0">
+                <a:solidFill>
+                  <a:srgbClr val="292929"/>
+                </a:solidFill>
+                <a:effectLst/>
+                <a:highlight>
+                  <a:srgbClr val="FFFFFF"/>
+                </a:highlight>
+                <a:latin typeface="Cambria" panose="02040503050406030204" pitchFamily="18" charset="0"/>
+                <a:ea typeface="Cambria" panose="02040503050406030204" pitchFamily="18" charset="0"/>
+              </a:rPr>
+              <a:t>/</a:t>
+            </a:r>
+            <a:r>
+              <a:rPr lang="en-US" b="0" dirty="0" err="1">
+                <a:solidFill>
+                  <a:srgbClr val="292929"/>
+                </a:solidFill>
+                <a:effectLst/>
+                <a:highlight>
+                  <a:srgbClr val="FFFFFF"/>
+                </a:highlight>
+                <a:latin typeface="Cambria" panose="02040503050406030204" pitchFamily="18" charset="0"/>
+                <a:ea typeface="Cambria" panose="02040503050406030204" pitchFamily="18" charset="0"/>
+              </a:rPr>
+              <a:t>thirdparty</a:t>
+            </a:r>
+            <a:r>
+              <a:rPr lang="en-US" b="0" dirty="0">
+                <a:solidFill>
+                  <a:srgbClr val="292929"/>
+                </a:solidFill>
+                <a:effectLst/>
+                <a:highlight>
+                  <a:srgbClr val="FFFFFF"/>
+                </a:highlight>
+                <a:latin typeface="Cambria" panose="02040503050406030204" pitchFamily="18" charset="0"/>
+                <a:ea typeface="Cambria" panose="02040503050406030204" pitchFamily="18" charset="0"/>
+              </a:rPr>
+              <a:t>)</a:t>
+            </a:r>
+          </a:p>
+          <a:p>
+            <a:br>
+              <a:rPr lang="en-US" b="0" dirty="0">
+                <a:solidFill>
+                  <a:srgbClr val="292929"/>
+                </a:solidFill>
+                <a:effectLst/>
+                <a:highlight>
+                  <a:srgbClr val="FFFFFF"/>
+                </a:highlight>
+                <a:latin typeface="Cambria" panose="02040503050406030204" pitchFamily="18" charset="0"/>
+                <a:ea typeface="Cambria" panose="02040503050406030204" pitchFamily="18" charset="0"/>
+              </a:rPr>
+            </a:br>
+            <a:r>
+              <a:rPr lang="en-US" b="0" dirty="0" err="1">
+                <a:solidFill>
+                  <a:srgbClr val="0F4A85"/>
+                </a:solidFill>
+                <a:effectLst/>
+                <a:highlight>
+                  <a:srgbClr val="FFFFFF"/>
+                </a:highlight>
+                <a:latin typeface="Cambria" panose="02040503050406030204" pitchFamily="18" charset="0"/>
+                <a:ea typeface="Cambria" panose="02040503050406030204" pitchFamily="18" charset="0"/>
+              </a:rPr>
+              <a:t>add_subdirectory</a:t>
+            </a:r>
+            <a:r>
+              <a:rPr lang="en-US" b="0" dirty="0">
+                <a:solidFill>
+                  <a:srgbClr val="292929"/>
+                </a:solidFill>
+                <a:effectLst/>
+                <a:highlight>
+                  <a:srgbClr val="FFFFFF"/>
+                </a:highlight>
+                <a:latin typeface="Cambria" panose="02040503050406030204" pitchFamily="18" charset="0"/>
+                <a:ea typeface="Cambria" panose="02040503050406030204" pitchFamily="18" charset="0"/>
+              </a:rPr>
+              <a:t>(</a:t>
+            </a:r>
+            <a:r>
+              <a:rPr lang="en-US" b="0" dirty="0" err="1">
+                <a:solidFill>
+                  <a:srgbClr val="292929"/>
+                </a:solidFill>
+                <a:effectLst/>
+                <a:highlight>
+                  <a:srgbClr val="FFFFFF"/>
+                </a:highlight>
+                <a:latin typeface="Cambria" panose="02040503050406030204" pitchFamily="18" charset="0"/>
+                <a:ea typeface="Cambria" panose="02040503050406030204" pitchFamily="18" charset="0"/>
+              </a:rPr>
+              <a:t>src</a:t>
+            </a:r>
+            <a:r>
+              <a:rPr lang="en-US" b="0" dirty="0">
+                <a:solidFill>
+                  <a:srgbClr val="292929"/>
+                </a:solidFill>
+                <a:effectLst/>
+                <a:highlight>
+                  <a:srgbClr val="FFFFFF"/>
+                </a:highlight>
+                <a:latin typeface="Cambria" panose="02040503050406030204" pitchFamily="18" charset="0"/>
+                <a:ea typeface="Cambria" panose="02040503050406030204" pitchFamily="18" charset="0"/>
+              </a:rPr>
+              <a:t>)</a:t>
+            </a:r>
+          </a:p>
+          <a:p>
+            <a:endParaRPr lang="en-US" dirty="0"/>
+          </a:p>
+        </p:txBody>
+      </p:sp>
+    </p:spTree>
+    <p:extLst>
+      <p:ext uri="{BB962C8B-B14F-4D97-AF65-F5344CB8AC3E}">
+        <p14:creationId xmlns:p14="http://schemas.microsoft.com/office/powerpoint/2010/main" val="175007366"/>
+      </p:ext>
+    </p:extLst>
+  </p:cSld>
+  <p:clrMapOvr>
+    <a:masterClrMapping/>
+  </p:clrMapOvr>
+</p:sld>
+</file>
+
+<file path=ppt/slides/slide5.xml><?xml version="1.0" encoding="utf-8"?>
 <p:sld xmlns:a="http://schemas.openxmlformats.org/drawingml/2006/main" xmlns:r="http://schemas.openxmlformats.org/officeDocument/2006/relationships" xmlns:p="http://schemas.openxmlformats.org/presentationml/2006/main">
   <p:cSld>
     <p:spTree>
@@ -8864,7 +10274,7 @@
 </p:sld>
 </file>
 
-<file path=ppt/slides/slide5.xml><?xml version="1.0" encoding="utf-8"?>
+<file path=ppt/slides/slide6.xml><?xml version="1.0" encoding="utf-8"?>
 <p:sld xmlns:a="http://schemas.openxmlformats.org/drawingml/2006/main" xmlns:r="http://schemas.openxmlformats.org/officeDocument/2006/relationships" xmlns:p="http://schemas.openxmlformats.org/presentationml/2006/main">
   <p:cSld>
     <p:spTree>
@@ -8990,7 +10400,7 @@
 </p:sld>
 </file>
 
-<file path=ppt/slides/slide6.xml><?xml version="1.0" encoding="utf-8"?>
+<file path=ppt/slides/slide7.xml><?xml version="1.0" encoding="utf-8"?>
 <p:sld xmlns:a="http://schemas.openxmlformats.org/drawingml/2006/main" xmlns:r="http://schemas.openxmlformats.org/officeDocument/2006/relationships" xmlns:p="http://schemas.openxmlformats.org/presentationml/2006/main">
   <p:cSld>
     <p:spTree>
@@ -9119,7 +10529,7 @@
 </p:sld>
 </file>
 
-<file path=ppt/slides/slide7.xml><?xml version="1.0" encoding="utf-8"?>
+<file path=ppt/slides/slide8.xml><?xml version="1.0" encoding="utf-8"?>
 <p:sld xmlns:a="http://schemas.openxmlformats.org/drawingml/2006/main" xmlns:r="http://schemas.openxmlformats.org/officeDocument/2006/relationships" xmlns:p="http://schemas.openxmlformats.org/presentationml/2006/main">
   <p:cSld>
     <p:spTree>
@@ -9238,7 +10648,7 @@
 </p:sld>
 </file>
 
-<file path=ppt/slides/slide8.xml><?xml version="1.0" encoding="utf-8"?>
+<file path=ppt/slides/slide9.xml><?xml version="1.0" encoding="utf-8"?>
 <p:sld xmlns:a="http://schemas.openxmlformats.org/drawingml/2006/main" xmlns:r="http://schemas.openxmlformats.org/officeDocument/2006/relationships" xmlns:p="http://schemas.openxmlformats.org/presentationml/2006/main">
   <p:cSld>
     <p:spTree>
@@ -9314,7 +10724,10 @@
           <a:lstStyle/>
           <a:p>
             <a:r>
-              <a:rPr lang="en-US" sz="2000" dirty="0">
+              <a:rPr lang="en-US" sz="2000" b="1" dirty="0">
+                <a:solidFill>
+                  <a:srgbClr val="FF0000"/>
+                </a:solidFill>
                 <a:latin typeface="Modern No. 20" panose="02070704070505020303" pitchFamily="18" charset="0"/>
               </a:rPr>
               <a:t>Client Command: </a:t>
@@ -9391,7 +10804,10 @@
           <a:lstStyle/>
           <a:p>
             <a:r>
-              <a:rPr lang="en-US" sz="2000" dirty="0">
+              <a:rPr lang="en-US" sz="2000" b="1" dirty="0">
+                <a:solidFill>
+                  <a:srgbClr val="FF0000"/>
+                </a:solidFill>
                 <a:latin typeface="Modern No. 20" panose="02070704070505020303" pitchFamily="18" charset="0"/>
               </a:rPr>
               <a:t>Server Command: </a:t>
@@ -9497,412 +10913,6 @@
     <p:extLst>
       <p:ext uri="{BB962C8B-B14F-4D97-AF65-F5344CB8AC3E}">
         <p14:creationId xmlns:p14="http://schemas.microsoft.com/office/powerpoint/2010/main" val="3907353484"/>
-      </p:ext>
-    </p:extLst>
-  </p:cSld>
-  <p:clrMapOvr>
-    <a:masterClrMapping/>
-  </p:clrMapOvr>
-</p:sld>
-</file>
-
-<file path=ppt/slides/slide9.xml><?xml version="1.0" encoding="utf-8"?>
-<p:sld xmlns:a="http://schemas.openxmlformats.org/drawingml/2006/main" xmlns:r="http://schemas.openxmlformats.org/officeDocument/2006/relationships" xmlns:p="http://schemas.openxmlformats.org/presentationml/2006/main">
-  <p:cSld>
-    <p:spTree>
-      <p:nvGrpSpPr>
-        <p:cNvPr id="1" name=""/>
-        <p:cNvGrpSpPr/>
-        <p:nvPr/>
-      </p:nvGrpSpPr>
-      <p:grpSpPr>
-        <a:xfrm>
-          <a:off x="0" y="0"/>
-          <a:ext cx="0" cy="0"/>
-          <a:chOff x="0" y="0"/>
-          <a:chExt cx="0" cy="0"/>
-        </a:xfrm>
-      </p:grpSpPr>
-      <p:sp>
-        <p:nvSpPr>
-          <p:cNvPr id="2" name="Title 1">
-            <a:extLst>
-              <a:ext uri="{FF2B5EF4-FFF2-40B4-BE49-F238E27FC236}">
-                <a16:creationId xmlns:a16="http://schemas.microsoft.com/office/drawing/2014/main" id="{6666FEA5-D493-4CEF-885D-B8D89C739BE0}"/>
-              </a:ext>
-            </a:extLst>
-          </p:cNvPr>
-          <p:cNvSpPr>
-            <a:spLocks noGrp="1"/>
-          </p:cNvSpPr>
-          <p:nvPr>
-            <p:ph type="title"/>
-          </p:nvPr>
-        </p:nvSpPr>
-        <p:spPr/>
-        <p:txBody>
-          <a:bodyPr/>
-          <a:lstStyle/>
-          <a:p>
-            <a:r>
-              <a:rPr lang="en-US" dirty="0">
-                <a:latin typeface="Modern No. 20" panose="02070704070505020303" pitchFamily="18" charset="0"/>
-              </a:rPr>
-              <a:t>Registration</a:t>
-            </a:r>
-          </a:p>
-        </p:txBody>
-      </p:sp>
-      <p:sp>
-        <p:nvSpPr>
-          <p:cNvPr id="4" name="TextBox 3">
-            <a:extLst>
-              <a:ext uri="{FF2B5EF4-FFF2-40B4-BE49-F238E27FC236}">
-                <a16:creationId xmlns:a16="http://schemas.microsoft.com/office/drawing/2014/main" id="{9F28A363-AF71-7EE0-CBC5-D5F6F62A9C7B}"/>
-              </a:ext>
-            </a:extLst>
-          </p:cNvPr>
-          <p:cNvSpPr txBox="1"/>
-          <p:nvPr/>
-        </p:nvSpPr>
-        <p:spPr>
-          <a:xfrm>
-            <a:off x="6710038" y="1784411"/>
-            <a:ext cx="5481962" cy="2339102"/>
-          </a:xfrm>
-          <a:prstGeom prst="rect">
-            <a:avLst/>
-          </a:prstGeom>
-          <a:noFill/>
-        </p:spPr>
-        <p:txBody>
-          <a:bodyPr wrap="square" rtlCol="0">
-            <a:spAutoFit/>
-          </a:bodyPr>
-          <a:lstStyle/>
-          <a:p>
-            <a:r>
-              <a:rPr lang="en-US" sz="2000" dirty="0">
-                <a:latin typeface="Modern No. 20" panose="02070704070505020303" pitchFamily="18" charset="0"/>
-              </a:rPr>
-              <a:t>Client Command: </a:t>
-            </a:r>
-          </a:p>
-          <a:p>
-            <a:r>
-              <a:rPr lang="en-US" dirty="0">
-                <a:latin typeface="Modern No. 20" panose="02070704070505020303" pitchFamily="18" charset="0"/>
-              </a:rPr>
-              <a:t>$ telnet 127.0.0.1 6000</a:t>
-            </a:r>
-          </a:p>
-          <a:p>
-            <a:r>
-              <a:rPr lang="en-US" dirty="0">
-                <a:latin typeface="Modern No. 20" panose="02070704070505020303" pitchFamily="18" charset="0"/>
-              </a:rPr>
-              <a:t>Trying 127.0.0.1...</a:t>
-            </a:r>
-          </a:p>
-          <a:p>
-            <a:r>
-              <a:rPr lang="en-US" dirty="0">
-                <a:latin typeface="Modern No. 20" panose="02070704070505020303" pitchFamily="18" charset="0"/>
-              </a:rPr>
-              <a:t>Connected to 127.0.0.1.</a:t>
-            </a:r>
-          </a:p>
-          <a:p>
-            <a:r>
-              <a:rPr lang="en-US" dirty="0">
-                <a:latin typeface="Modern No. 20" panose="02070704070505020303" pitchFamily="18" charset="0"/>
-              </a:rPr>
-              <a:t>Escape character is '^]'.</a:t>
-            </a:r>
-          </a:p>
-          <a:p>
-            <a:r>
-              <a:rPr lang="en-US" dirty="0">
-                <a:latin typeface="Modern No. 20" panose="02070704070505020303" pitchFamily="18" charset="0"/>
-              </a:rPr>
-              <a:t>Connection closed by foreign host. </a:t>
-            </a:r>
-          </a:p>
-          <a:p>
-            <a:r>
-              <a:rPr lang="en-US" dirty="0">
-                <a:highlight>
-                  <a:srgbClr val="FFFF00"/>
-                </a:highlight>
-                <a:latin typeface="Modern No. 20" panose="02070704070505020303" pitchFamily="18" charset="0"/>
-              </a:rPr>
-              <a:t>{"msgid":</a:t>
-            </a:r>
-            <a:r>
-              <a:rPr lang="en-US" dirty="0">
-                <a:highlight>
-                  <a:srgbClr val="00FFFF"/>
-                </a:highlight>
-                <a:latin typeface="Modern No. 20" panose="02070704070505020303" pitchFamily="18" charset="0"/>
-              </a:rPr>
-              <a:t>3</a:t>
-            </a:r>
-            <a:r>
-              <a:rPr lang="en-US" dirty="0">
-                <a:highlight>
-                  <a:srgbClr val="FFFF00"/>
-                </a:highlight>
-                <a:latin typeface="Modern No. 20" panose="02070704070505020303" pitchFamily="18" charset="0"/>
-              </a:rPr>
-              <a:t>, "name":"</a:t>
-            </a:r>
-            <a:r>
-              <a:rPr lang="en-US" dirty="0" err="1">
-                <a:highlight>
-                  <a:srgbClr val="FFFF00"/>
-                </a:highlight>
-                <a:latin typeface="Modern No. 20" panose="02070704070505020303" pitchFamily="18" charset="0"/>
-              </a:rPr>
-              <a:t>california</a:t>
-            </a:r>
-            <a:r>
-              <a:rPr lang="en-US" dirty="0">
-                <a:highlight>
-                  <a:srgbClr val="FFFF00"/>
-                </a:highlight>
-                <a:latin typeface="Modern No. 20" panose="02070704070505020303" pitchFamily="18" charset="0"/>
-              </a:rPr>
-              <a:t>", "password":"123456"}</a:t>
-            </a:r>
-          </a:p>
-          <a:p>
-            <a:r>
-              <a:rPr lang="en-US" dirty="0">
-                <a:latin typeface="Modern No. 20" panose="02070704070505020303" pitchFamily="18" charset="0"/>
-              </a:rPr>
-              <a:t>{"errno":0,"id":6,"msgid":4}</a:t>
-            </a:r>
-          </a:p>
-        </p:txBody>
-      </p:sp>
-      <p:sp>
-        <p:nvSpPr>
-          <p:cNvPr id="5" name="TextBox 4">
-            <a:extLst>
-              <a:ext uri="{FF2B5EF4-FFF2-40B4-BE49-F238E27FC236}">
-                <a16:creationId xmlns:a16="http://schemas.microsoft.com/office/drawing/2014/main" id="{14B5B79A-BA43-AD3D-EEA5-2219C8D82E7A}"/>
-              </a:ext>
-            </a:extLst>
-          </p:cNvPr>
-          <p:cNvSpPr txBox="1"/>
-          <p:nvPr/>
-        </p:nvSpPr>
-        <p:spPr>
-          <a:xfrm>
-            <a:off x="1075677" y="1784411"/>
-            <a:ext cx="4304190" cy="3170099"/>
-          </a:xfrm>
-          <a:prstGeom prst="rect">
-            <a:avLst/>
-          </a:prstGeom>
-          <a:noFill/>
-        </p:spPr>
-        <p:txBody>
-          <a:bodyPr wrap="square" rtlCol="0">
-            <a:spAutoFit/>
-          </a:bodyPr>
-          <a:lstStyle/>
-          <a:p>
-            <a:r>
-              <a:rPr lang="en-US" sz="2000" dirty="0">
-                <a:latin typeface="Modern No. 20" panose="02070704070505020303" pitchFamily="18" charset="0"/>
-              </a:rPr>
-              <a:t>Server Command: </a:t>
-            </a:r>
-          </a:p>
-          <a:p>
-            <a:r>
-              <a:rPr lang="en-US" dirty="0">
-                <a:latin typeface="Modern No. 20" panose="02070704070505020303" pitchFamily="18" charset="0"/>
-              </a:rPr>
-              <a:t>$ ./</a:t>
-            </a:r>
-            <a:r>
-              <a:rPr lang="en-US" dirty="0" err="1">
-                <a:latin typeface="Modern No. 20" panose="02070704070505020303" pitchFamily="18" charset="0"/>
-              </a:rPr>
-              <a:t>ChatServer</a:t>
-            </a:r>
-            <a:r>
-              <a:rPr lang="en-US" dirty="0">
-                <a:latin typeface="Modern No. 20" panose="02070704070505020303" pitchFamily="18" charset="0"/>
-              </a:rPr>
-              <a:t> </a:t>
-            </a:r>
-          </a:p>
-          <a:p>
-            <a:r>
-              <a:rPr lang="en-US" dirty="0">
-                <a:latin typeface="Modern No. 20" panose="02070704070505020303" pitchFamily="18" charset="0"/>
-              </a:rPr>
-              <a:t>20240808 07:13:18.904880Z 44957 INFO  </a:t>
-            </a:r>
-            <a:r>
-              <a:rPr lang="en-US" dirty="0" err="1">
-                <a:latin typeface="Modern No. 20" panose="02070704070505020303" pitchFamily="18" charset="0"/>
-              </a:rPr>
-              <a:t>TcpServer</a:t>
-            </a:r>
-            <a:r>
-              <a:rPr lang="en-US" dirty="0">
-                <a:latin typeface="Modern No. 20" panose="02070704070505020303" pitchFamily="18" charset="0"/>
-              </a:rPr>
-              <a:t>::</a:t>
-            </a:r>
-            <a:r>
-              <a:rPr lang="en-US" dirty="0" err="1">
-                <a:latin typeface="Modern No. 20" panose="02070704070505020303" pitchFamily="18" charset="0"/>
-              </a:rPr>
-              <a:t>newConnection</a:t>
-            </a:r>
-            <a:r>
-              <a:rPr lang="en-US" dirty="0">
-                <a:latin typeface="Modern No. 20" panose="02070704070505020303" pitchFamily="18" charset="0"/>
-              </a:rPr>
-              <a:t> [</a:t>
-            </a:r>
-            <a:r>
-              <a:rPr lang="en-US" dirty="0" err="1">
-                <a:latin typeface="Modern No. 20" panose="02070704070505020303" pitchFamily="18" charset="0"/>
-              </a:rPr>
-              <a:t>ChatServer</a:t>
-            </a:r>
-            <a:r>
-              <a:rPr lang="en-US" dirty="0">
-                <a:latin typeface="Modern No. 20" panose="02070704070505020303" pitchFamily="18" charset="0"/>
-              </a:rPr>
-              <a:t>] - new connection [ChatServer-127.0.0.1:6000#1] from 127.0.0.1:42712 - TcpServer.cc:80</a:t>
-            </a:r>
-          </a:p>
-          <a:p>
-            <a:r>
-              <a:rPr lang="en-US" dirty="0">
-                <a:highlight>
-                  <a:srgbClr val="FFFF00"/>
-                </a:highlight>
-                <a:latin typeface="Modern No. 20" panose="02070704070505020303" pitchFamily="18" charset="0"/>
-              </a:rPr>
-              <a:t>20240808 08:50:09.824434Z 46143 INFO  /home/</a:t>
-            </a:r>
-            <a:r>
-              <a:rPr lang="en-US" dirty="0" err="1">
-                <a:highlight>
-                  <a:srgbClr val="FFFF00"/>
-                </a:highlight>
-                <a:latin typeface="Modern No. 20" panose="02070704070505020303" pitchFamily="18" charset="0"/>
-              </a:rPr>
-              <a:t>beza</a:t>
-            </a:r>
-            <a:r>
-              <a:rPr lang="en-US" dirty="0">
-                <a:highlight>
-                  <a:srgbClr val="FFFF00"/>
-                </a:highlight>
-                <a:latin typeface="Modern No. 20" panose="02070704070505020303" pitchFamily="18" charset="0"/>
-              </a:rPr>
-              <a:t>/</a:t>
-            </a:r>
-            <a:r>
-              <a:rPr lang="en-US" dirty="0" err="1">
-                <a:highlight>
-                  <a:srgbClr val="FFFF00"/>
-                </a:highlight>
-                <a:latin typeface="Modern No. 20" panose="02070704070505020303" pitchFamily="18" charset="0"/>
-              </a:rPr>
-              <a:t>Cluster_Chatroom</a:t>
-            </a:r>
-            <a:r>
-              <a:rPr lang="en-US" dirty="0">
-                <a:highlight>
-                  <a:srgbClr val="FFFF00"/>
-                </a:highlight>
-                <a:latin typeface="Modern No. 20" panose="02070704070505020303" pitchFamily="18" charset="0"/>
-              </a:rPr>
-              <a:t>/</a:t>
-            </a:r>
-            <a:r>
-              <a:rPr lang="en-US" dirty="0" err="1">
-                <a:highlight>
-                  <a:srgbClr val="FFFF00"/>
-                </a:highlight>
-                <a:latin typeface="Modern No. 20" panose="02070704070505020303" pitchFamily="18" charset="0"/>
-              </a:rPr>
-              <a:t>src</a:t>
-            </a:r>
-            <a:r>
-              <a:rPr lang="en-US" dirty="0">
-                <a:highlight>
-                  <a:srgbClr val="FFFF00"/>
-                </a:highlight>
-                <a:latin typeface="Modern No. 20" panose="02070704070505020303" pitchFamily="18" charset="0"/>
-              </a:rPr>
-              <a:t>/server/</a:t>
-            </a:r>
-            <a:r>
-              <a:rPr lang="en-US" dirty="0" err="1">
-                <a:highlight>
-                  <a:srgbClr val="FFFF00"/>
-                </a:highlight>
-                <a:latin typeface="Modern No. 20" panose="02070704070505020303" pitchFamily="18" charset="0"/>
-              </a:rPr>
-              <a:t>db</a:t>
-            </a:r>
-            <a:r>
-              <a:rPr lang="en-US" dirty="0">
-                <a:highlight>
-                  <a:srgbClr val="FFFF00"/>
-                </a:highlight>
-                <a:latin typeface="Modern No. 20" panose="02070704070505020303" pitchFamily="18" charset="0"/>
-              </a:rPr>
-              <a:t>/db.cpp:31:connect MySQL SUCCESS! - db.cpp:31</a:t>
-            </a:r>
-          </a:p>
-        </p:txBody>
-      </p:sp>
-      <p:pic>
-        <p:nvPicPr>
-          <p:cNvPr id="6" name="Picture 5">
-            <a:extLst>
-              <a:ext uri="{FF2B5EF4-FFF2-40B4-BE49-F238E27FC236}">
-                <a16:creationId xmlns:a16="http://schemas.microsoft.com/office/drawing/2014/main" id="{B7860F07-5900-15E4-281F-45A20CD548F9}"/>
-              </a:ext>
-            </a:extLst>
-          </p:cNvPr>
-          <p:cNvPicPr>
-            <a:picLocks noChangeAspect="1"/>
-          </p:cNvPicPr>
-          <p:nvPr/>
-        </p:nvPicPr>
-        <p:blipFill>
-          <a:blip r:embed="rId2"/>
-          <a:stretch>
-            <a:fillRect/>
-          </a:stretch>
-        </p:blipFill>
-        <p:spPr>
-          <a:xfrm>
-            <a:off x="6659593" y="4366287"/>
-            <a:ext cx="4456730" cy="1546680"/>
-          </a:xfrm>
-          <a:prstGeom prst="rect">
-            <a:avLst/>
-          </a:prstGeom>
-        </p:spPr>
-      </p:pic>
-    </p:spTree>
-    <p:extLst>
-      <p:ext uri="{BB962C8B-B14F-4D97-AF65-F5344CB8AC3E}">
-        <p14:creationId xmlns:p14="http://schemas.microsoft.com/office/powerpoint/2010/main" val="191011680"/>
       </p:ext>
     </p:extLst>
   </p:cSld>

--- a/Advanced Linux Final Project.pptx
+++ b/Advanced Linux Final Project.pptx
@@ -10498,7 +10498,7 @@
         </p:blipFill>
         <p:spPr bwMode="auto">
           <a:xfrm>
-            <a:off x="3644405" y="177242"/>
+            <a:off x="4008389" y="177242"/>
             <a:ext cx="6021773" cy="6503515"/>
           </a:xfrm>
           <a:prstGeom prst="rect">
@@ -10516,6 +10516,122 @@
           </a:extLst>
         </p:spPr>
       </p:pic>
+      <p:sp>
+        <p:nvSpPr>
+          <p:cNvPr id="4" name="Oval 3">
+            <a:extLst>
+              <a:ext uri="{FF2B5EF4-FFF2-40B4-BE49-F238E27FC236}">
+                <a16:creationId xmlns:a16="http://schemas.microsoft.com/office/drawing/2014/main" id="{DA8608C9-440E-952F-5F7A-23BC49C872E5}"/>
+              </a:ext>
+            </a:extLst>
+          </p:cNvPr>
+          <p:cNvSpPr/>
+          <p:nvPr/>
+        </p:nvSpPr>
+        <p:spPr>
+          <a:xfrm>
+            <a:off x="2911136" y="2670213"/>
+            <a:ext cx="8442664" cy="4337052"/>
+          </a:xfrm>
+          <a:prstGeom prst="ellipse">
+            <a:avLst/>
+          </a:prstGeom>
+          <a:noFill/>
+          <a:ln w="38100">
+            <a:solidFill>
+              <a:srgbClr val="FF0000"/>
+            </a:solidFill>
+          </a:ln>
+        </p:spPr>
+        <p:style>
+          <a:lnRef idx="2">
+            <a:schemeClr val="accent1">
+              <a:shade val="15000"/>
+            </a:schemeClr>
+          </a:lnRef>
+          <a:fillRef idx="1">
+            <a:schemeClr val="accent1"/>
+          </a:fillRef>
+          <a:effectRef idx="0">
+            <a:schemeClr val="accent1"/>
+          </a:effectRef>
+          <a:fontRef idx="minor">
+            <a:schemeClr val="lt1"/>
+          </a:fontRef>
+        </p:style>
+        <p:txBody>
+          <a:bodyPr rtlCol="0" anchor="ctr"/>
+          <a:lstStyle/>
+          <a:p>
+            <a:pPr algn="ctr"/>
+            <a:endParaRPr lang="en-US"/>
+          </a:p>
+        </p:txBody>
+      </p:sp>
+      <p:sp>
+        <p:nvSpPr>
+          <p:cNvPr id="5" name="TextBox 4">
+            <a:extLst>
+              <a:ext uri="{FF2B5EF4-FFF2-40B4-BE49-F238E27FC236}">
+                <a16:creationId xmlns:a16="http://schemas.microsoft.com/office/drawing/2014/main" id="{E641C7A9-4F75-C650-4313-35F97FAE5F88}"/>
+              </a:ext>
+            </a:extLst>
+          </p:cNvPr>
+          <p:cNvSpPr txBox="1"/>
+          <p:nvPr/>
+        </p:nvSpPr>
+        <p:spPr>
+          <a:xfrm>
+            <a:off x="1389480" y="5078026"/>
+            <a:ext cx="1983415" cy="1077218"/>
+          </a:xfrm>
+          <a:prstGeom prst="rect">
+            <a:avLst/>
+          </a:prstGeom>
+          <a:noFill/>
+        </p:spPr>
+        <p:txBody>
+          <a:bodyPr wrap="square" rtlCol="0">
+            <a:spAutoFit/>
+          </a:bodyPr>
+          <a:lstStyle/>
+          <a:p>
+            <a:r>
+              <a:rPr lang="en-US" sz="3200" b="1" dirty="0" err="1">
+                <a:solidFill>
+                  <a:srgbClr val="FF0000"/>
+                </a:solidFill>
+                <a:latin typeface="Modern No. 20" panose="02070704070505020303" pitchFamily="18" charset="0"/>
+              </a:rPr>
+              <a:t>S</a:t>
+            </a:r>
+            <a:r>
+              <a:rPr lang="en-US" altLang="zh-CN" sz="3200" b="1" dirty="0" err="1">
+                <a:solidFill>
+                  <a:srgbClr val="FF0000"/>
+                </a:solidFill>
+                <a:latin typeface="Modern No. 20" panose="02070704070505020303" pitchFamily="18" charset="0"/>
+              </a:rPr>
+              <a:t>inlge</a:t>
+            </a:r>
+            <a:r>
+              <a:rPr lang="en-US" altLang="zh-CN" sz="3200" b="1" dirty="0">
+                <a:solidFill>
+                  <a:srgbClr val="FF0000"/>
+                </a:solidFill>
+                <a:latin typeface="Modern No. 20" panose="02070704070505020303" pitchFamily="18" charset="0"/>
+              </a:rPr>
+              <a:t> Server</a:t>
+            </a:r>
+            <a:endParaRPr lang="en-US" sz="3200" b="1" dirty="0">
+              <a:solidFill>
+                <a:srgbClr val="FF0000"/>
+              </a:solidFill>
+              <a:latin typeface="Modern No. 20" panose="02070704070505020303" pitchFamily="18" charset="0"/>
+            </a:endParaRPr>
+          </a:p>
+        </p:txBody>
+      </p:sp>
     </p:spTree>
     <p:extLst>
       <p:ext uri="{BB962C8B-B14F-4D97-AF65-F5344CB8AC3E}">
